--- a/Projet Programmation.pptx
+++ b/Projet Programmation.pptx
@@ -927,10 +927,9 @@
         <a:lstStyle/>
         <a:p>
           <a:r>
-            <a:rPr lang="fr-FR" dirty="0" smtClean="0"/>
+            <a:rPr lang="fr-FR" dirty="0"/>
             <a:t>Facile</a:t>
           </a:r>
-          <a:endParaRPr lang="fr-FR" dirty="0"/>
         </a:p>
       </dgm:t>
     </dgm:pt>
@@ -964,10 +963,9 @@
         <a:lstStyle/>
         <a:p>
           <a:r>
-            <a:rPr lang="fr-FR" dirty="0" smtClean="0"/>
+            <a:rPr lang="fr-FR" dirty="0"/>
             <a:t>Tire au hasard</a:t>
           </a:r>
-          <a:endParaRPr lang="fr-FR" dirty="0"/>
         </a:p>
       </dgm:t>
     </dgm:pt>
@@ -1001,10 +999,9 @@
         <a:lstStyle/>
         <a:p>
           <a:r>
-            <a:rPr lang="fr-FR" dirty="0" smtClean="0"/>
+            <a:rPr lang="fr-FR" dirty="0"/>
             <a:t>Moyen</a:t>
           </a:r>
-          <a:endParaRPr lang="fr-FR" dirty="0"/>
         </a:p>
       </dgm:t>
     </dgm:pt>
@@ -1038,10 +1035,9 @@
         <a:lstStyle/>
         <a:p>
           <a:r>
-            <a:rPr lang="fr-FR" dirty="0" smtClean="0"/>
+            <a:rPr lang="fr-FR" dirty="0"/>
             <a:t>Tire au hasard et suis un bateaux</a:t>
           </a:r>
-          <a:endParaRPr lang="fr-FR" dirty="0"/>
         </a:p>
       </dgm:t>
     </dgm:pt>
@@ -1075,10 +1071,9 @@
         <a:lstStyle/>
         <a:p>
           <a:r>
-            <a:rPr lang="fr-FR" dirty="0" smtClean="0"/>
+            <a:rPr lang="fr-FR" dirty="0"/>
             <a:t>Difficile</a:t>
           </a:r>
-          <a:endParaRPr lang="fr-FR" dirty="0"/>
         </a:p>
       </dgm:t>
     </dgm:pt>
@@ -1112,10 +1107,9 @@
         <a:lstStyle/>
         <a:p>
           <a:r>
-            <a:rPr lang="fr-FR" dirty="0" smtClean="0"/>
+            <a:rPr lang="fr-FR" dirty="0"/>
             <a:t>Tire au hasard sur les cases paires et suis les bateaux</a:t>
           </a:r>
-          <a:endParaRPr lang="fr-FR" dirty="0"/>
         </a:p>
       </dgm:t>
     </dgm:pt>
@@ -1163,13 +1157,6 @@
         </dgm:presLayoutVars>
       </dgm:prSet>
       <dgm:spPr/>
-      <dgm:t>
-        <a:bodyPr/>
-        <a:lstStyle/>
-        <a:p>
-          <a:endParaRPr lang="fr-FR"/>
-        </a:p>
-      </dgm:t>
     </dgm:pt>
     <dgm:pt modelId="{DA2F1CC5-44C3-4644-BBB1-34F5B5B514C0}" type="pres">
       <dgm:prSet presAssocID="{CD3E3D85-5F77-48B3-AD25-6DA676C971C2}" presName="descendantText" presStyleLbl="alignAccFollowNode1" presStyleIdx="0" presStyleCnt="3" custScaleX="74266" custScaleY="21464">
@@ -1178,13 +1165,6 @@
         </dgm:presLayoutVars>
       </dgm:prSet>
       <dgm:spPr/>
-      <dgm:t>
-        <a:bodyPr/>
-        <a:lstStyle/>
-        <a:p>
-          <a:endParaRPr lang="fr-FR"/>
-        </a:p>
-      </dgm:t>
     </dgm:pt>
     <dgm:pt modelId="{C0178B24-3FBC-4319-9A82-FD030C78E879}" type="pres">
       <dgm:prSet presAssocID="{5BB70150-8A2F-4DAF-A4DE-FBB243171B2B}" presName="sp" presStyleCnt="0"/>
@@ -1202,13 +1182,6 @@
         </dgm:presLayoutVars>
       </dgm:prSet>
       <dgm:spPr/>
-      <dgm:t>
-        <a:bodyPr/>
-        <a:lstStyle/>
-        <a:p>
-          <a:endParaRPr lang="fr-FR"/>
-        </a:p>
-      </dgm:t>
     </dgm:pt>
     <dgm:pt modelId="{9914E990-32F7-4A3D-86F2-346C07495521}" type="pres">
       <dgm:prSet presAssocID="{4ADF2C25-8BB5-4312-8307-A86468E04287}" presName="descendantText" presStyleLbl="alignAccFollowNode1" presStyleIdx="1" presStyleCnt="3" custScaleX="74266" custScaleY="21464">
@@ -1217,13 +1190,6 @@
         </dgm:presLayoutVars>
       </dgm:prSet>
       <dgm:spPr/>
-      <dgm:t>
-        <a:bodyPr/>
-        <a:lstStyle/>
-        <a:p>
-          <a:endParaRPr lang="fr-FR"/>
-        </a:p>
-      </dgm:t>
     </dgm:pt>
     <dgm:pt modelId="{56F9C220-A9DF-4586-9EF8-3B109E1D2B23}" type="pres">
       <dgm:prSet presAssocID="{A266A841-483C-4E3C-8040-606FE01A9EF8}" presName="sp" presStyleCnt="0"/>
@@ -1241,13 +1207,6 @@
         </dgm:presLayoutVars>
       </dgm:prSet>
       <dgm:spPr/>
-      <dgm:t>
-        <a:bodyPr/>
-        <a:lstStyle/>
-        <a:p>
-          <a:endParaRPr lang="fr-FR"/>
-        </a:p>
-      </dgm:t>
     </dgm:pt>
     <dgm:pt modelId="{AA8844A0-E28A-4145-9E1B-6B510CA8815F}" type="pres">
       <dgm:prSet presAssocID="{1CBBBB83-62DD-4F5F-A070-E611498C8A58}" presName="descendantText" presStyleLbl="alignAccFollowNode1" presStyleIdx="2" presStyleCnt="3" custScaleX="74266" custScaleY="21464">
@@ -1256,29 +1215,22 @@
         </dgm:presLayoutVars>
       </dgm:prSet>
       <dgm:spPr/>
-      <dgm:t>
-        <a:bodyPr/>
-        <a:lstStyle/>
-        <a:p>
-          <a:endParaRPr lang="fr-FR"/>
-        </a:p>
-      </dgm:t>
     </dgm:pt>
   </dgm:ptLst>
   <dgm:cxnLst>
+    <dgm:cxn modelId="{371B3D15-CA8B-402D-A174-167A14F8CC6D}" type="presOf" srcId="{70E56732-74AE-4C3A-BDB2-BDE3F7EA92CE}" destId="{AA8844A0-E28A-4145-9E1B-6B510CA8815F}" srcOrd="0" destOrd="0" presId="urn:microsoft.com/office/officeart/2005/8/layout/vList5"/>
+    <dgm:cxn modelId="{05AFB21F-59B6-43AF-AD55-D11773237607}" srcId="{CD3E3D85-5F77-48B3-AD25-6DA676C971C2}" destId="{A90BA024-55A1-4603-BDF1-C7C5649722DF}" srcOrd="0" destOrd="0" parTransId="{DAD9FFCC-1453-4809-AEF4-E9EF2A5788A2}" sibTransId="{2BB63C8F-B0C8-442F-9317-04B2F414CBB6}"/>
+    <dgm:cxn modelId="{1057C24E-9EBD-4E40-9020-EE08DC4E5C77}" srcId="{2E450B6F-8081-4935-83A5-BBBC98CB33ED}" destId="{CD3E3D85-5F77-48B3-AD25-6DA676C971C2}" srcOrd="0" destOrd="0" parTransId="{FEE55640-524F-4624-8844-D173D96AFB61}" sibTransId="{5BB70150-8A2F-4DAF-A4DE-FBB243171B2B}"/>
+    <dgm:cxn modelId="{A43ECD70-CFB5-4174-BFB8-6A1FA725CB31}" type="presOf" srcId="{A90BA024-55A1-4603-BDF1-C7C5649722DF}" destId="{DA2F1CC5-44C3-4644-BBB1-34F5B5B514C0}" srcOrd="0" destOrd="0" presId="urn:microsoft.com/office/officeart/2005/8/layout/vList5"/>
+    <dgm:cxn modelId="{70A48696-AFC4-44E6-8CB7-B006D4B3B393}" srcId="{2E450B6F-8081-4935-83A5-BBBC98CB33ED}" destId="{4ADF2C25-8BB5-4312-8307-A86468E04287}" srcOrd="1" destOrd="0" parTransId="{A459522A-3BEC-4DBE-AC51-80CD80CEEAD7}" sibTransId="{A266A841-483C-4E3C-8040-606FE01A9EF8}"/>
+    <dgm:cxn modelId="{41DA1C9B-1E17-4C97-A23A-EAECEB018B88}" type="presOf" srcId="{4ADF2C25-8BB5-4312-8307-A86468E04287}" destId="{933F9D58-5E67-4A4E-9610-0DE6795911EA}" srcOrd="0" destOrd="0" presId="urn:microsoft.com/office/officeart/2005/8/layout/vList5"/>
     <dgm:cxn modelId="{D3253D9D-B304-4BC5-8C36-03785901CDC6}" srcId="{4ADF2C25-8BB5-4312-8307-A86468E04287}" destId="{4C59F0E6-AEA3-4911-8089-9DC70AECE116}" srcOrd="0" destOrd="0" parTransId="{38FB7A82-E193-4C09-87B4-5AB2ED439153}" sibTransId="{AF919223-5CF7-43F1-8D81-72951B9688A3}"/>
+    <dgm:cxn modelId="{D18A0AB4-59BA-4668-8CA6-91D02804F66D}" type="presOf" srcId="{2E450B6F-8081-4935-83A5-BBBC98CB33ED}" destId="{F80B580E-E6F0-4DC4-A745-C95A3B4E6A9C}" srcOrd="0" destOrd="0" presId="urn:microsoft.com/office/officeart/2005/8/layout/vList5"/>
+    <dgm:cxn modelId="{E18635C9-4050-439C-94A7-CC5816CA4933}" type="presOf" srcId="{CD3E3D85-5F77-48B3-AD25-6DA676C971C2}" destId="{2360A2CA-2071-428A-AE1E-393CBDC9D80C}" srcOrd="0" destOrd="0" presId="urn:microsoft.com/office/officeart/2005/8/layout/vList5"/>
+    <dgm:cxn modelId="{C6DC26D4-C4E2-4443-82EA-0BBBDBA803E8}" type="presOf" srcId="{1CBBBB83-62DD-4F5F-A070-E611498C8A58}" destId="{EC543E78-5EED-4475-99EF-BFB715BF00EF}" srcOrd="0" destOrd="0" presId="urn:microsoft.com/office/officeart/2005/8/layout/vList5"/>
     <dgm:cxn modelId="{984846DB-7907-4585-8322-D3C799FA0D85}" srcId="{1CBBBB83-62DD-4F5F-A070-E611498C8A58}" destId="{70E56732-74AE-4C3A-BDB2-BDE3F7EA92CE}" srcOrd="0" destOrd="0" parTransId="{8670AC31-2B39-4A0A-A791-E421FBA02289}" sibTransId="{13B18968-315C-4145-B5E9-5CBAC9EB86E4}"/>
-    <dgm:cxn modelId="{A43ECD70-CFB5-4174-BFB8-6A1FA725CB31}" type="presOf" srcId="{A90BA024-55A1-4603-BDF1-C7C5649722DF}" destId="{DA2F1CC5-44C3-4644-BBB1-34F5B5B514C0}" srcOrd="0" destOrd="0" presId="urn:microsoft.com/office/officeart/2005/8/layout/vList5"/>
-    <dgm:cxn modelId="{41DA1C9B-1E17-4C97-A23A-EAECEB018B88}" type="presOf" srcId="{4ADF2C25-8BB5-4312-8307-A86468E04287}" destId="{933F9D58-5E67-4A4E-9610-0DE6795911EA}" srcOrd="0" destOrd="0" presId="urn:microsoft.com/office/officeart/2005/8/layout/vList5"/>
+    <dgm:cxn modelId="{1AFDF5E9-9A6E-4C17-9A0F-4D413E712AED}" type="presOf" srcId="{4C59F0E6-AEA3-4911-8089-9DC70AECE116}" destId="{9914E990-32F7-4A3D-86F2-346C07495521}" srcOrd="0" destOrd="0" presId="urn:microsoft.com/office/officeart/2005/8/layout/vList5"/>
     <dgm:cxn modelId="{0B59B6F6-378F-4926-92D0-4C920BF5B06E}" srcId="{2E450B6F-8081-4935-83A5-BBBC98CB33ED}" destId="{1CBBBB83-62DD-4F5F-A070-E611498C8A58}" srcOrd="2" destOrd="0" parTransId="{70992EB9-66A9-4532-95C5-7F33A4AE400D}" sibTransId="{A261BCD4-9959-485C-A4DD-078F6AADC216}"/>
-    <dgm:cxn modelId="{70A48696-AFC4-44E6-8CB7-B006D4B3B393}" srcId="{2E450B6F-8081-4935-83A5-BBBC98CB33ED}" destId="{4ADF2C25-8BB5-4312-8307-A86468E04287}" srcOrd="1" destOrd="0" parTransId="{A459522A-3BEC-4DBE-AC51-80CD80CEEAD7}" sibTransId="{A266A841-483C-4E3C-8040-606FE01A9EF8}"/>
-    <dgm:cxn modelId="{D18A0AB4-59BA-4668-8CA6-91D02804F66D}" type="presOf" srcId="{2E450B6F-8081-4935-83A5-BBBC98CB33ED}" destId="{F80B580E-E6F0-4DC4-A745-C95A3B4E6A9C}" srcOrd="0" destOrd="0" presId="urn:microsoft.com/office/officeart/2005/8/layout/vList5"/>
-    <dgm:cxn modelId="{1AFDF5E9-9A6E-4C17-9A0F-4D413E712AED}" type="presOf" srcId="{4C59F0E6-AEA3-4911-8089-9DC70AECE116}" destId="{9914E990-32F7-4A3D-86F2-346C07495521}" srcOrd="0" destOrd="0" presId="urn:microsoft.com/office/officeart/2005/8/layout/vList5"/>
-    <dgm:cxn modelId="{05AFB21F-59B6-43AF-AD55-D11773237607}" srcId="{CD3E3D85-5F77-48B3-AD25-6DA676C971C2}" destId="{A90BA024-55A1-4603-BDF1-C7C5649722DF}" srcOrd="0" destOrd="0" parTransId="{DAD9FFCC-1453-4809-AEF4-E9EF2A5788A2}" sibTransId="{2BB63C8F-B0C8-442F-9317-04B2F414CBB6}"/>
-    <dgm:cxn modelId="{C6DC26D4-C4E2-4443-82EA-0BBBDBA803E8}" type="presOf" srcId="{1CBBBB83-62DD-4F5F-A070-E611498C8A58}" destId="{EC543E78-5EED-4475-99EF-BFB715BF00EF}" srcOrd="0" destOrd="0" presId="urn:microsoft.com/office/officeart/2005/8/layout/vList5"/>
-    <dgm:cxn modelId="{E18635C9-4050-439C-94A7-CC5816CA4933}" type="presOf" srcId="{CD3E3D85-5F77-48B3-AD25-6DA676C971C2}" destId="{2360A2CA-2071-428A-AE1E-393CBDC9D80C}" srcOrd="0" destOrd="0" presId="urn:microsoft.com/office/officeart/2005/8/layout/vList5"/>
-    <dgm:cxn modelId="{1057C24E-9EBD-4E40-9020-EE08DC4E5C77}" srcId="{2E450B6F-8081-4935-83A5-BBBC98CB33ED}" destId="{CD3E3D85-5F77-48B3-AD25-6DA676C971C2}" srcOrd="0" destOrd="0" parTransId="{FEE55640-524F-4624-8844-D173D96AFB61}" sibTransId="{5BB70150-8A2F-4DAF-A4DE-FBB243171B2B}"/>
-    <dgm:cxn modelId="{371B3D15-CA8B-402D-A174-167A14F8CC6D}" type="presOf" srcId="{70E56732-74AE-4C3A-BDB2-BDE3F7EA92CE}" destId="{AA8844A0-E28A-4145-9E1B-6B510CA8815F}" srcOrd="0" destOrd="0" presId="urn:microsoft.com/office/officeart/2005/8/layout/vList5"/>
     <dgm:cxn modelId="{8763F34C-5575-4816-B5EA-BDF2FF2E1AE5}" type="presParOf" srcId="{F80B580E-E6F0-4DC4-A745-C95A3B4E6A9C}" destId="{33915228-7829-4140-B392-6CC86E35D2AA}" srcOrd="0" destOrd="0" presId="urn:microsoft.com/office/officeart/2005/8/layout/vList5"/>
     <dgm:cxn modelId="{BB57D11A-7D29-4BA6-9198-E9DC27763F68}" type="presParOf" srcId="{33915228-7829-4140-B392-6CC86E35D2AA}" destId="{2360A2CA-2071-428A-AE1E-393CBDC9D80C}" srcOrd="0" destOrd="0" presId="urn:microsoft.com/office/officeart/2005/8/layout/vList5"/>
     <dgm:cxn modelId="{1873ED92-49AF-4055-96D3-35123FD7540D}" type="presParOf" srcId="{33915228-7829-4140-B392-6CC86E35D2AA}" destId="{DA2F1CC5-44C3-4644-BBB1-34F5B5B514C0}" srcOrd="1" destOrd="0" presId="urn:microsoft.com/office/officeart/2005/8/layout/vList5"/>
@@ -1375,13 +1327,12 @@
             <a:spcAft>
               <a:spcPct val="15000"/>
             </a:spcAft>
-            <a:buChar char="••"/>
+            <a:buChar char="•"/>
           </a:pPr>
           <a:r>
-            <a:rPr lang="fr-FR" sz="1300" kern="1200" dirty="0" smtClean="0"/>
+            <a:rPr lang="fr-FR" sz="1300" kern="1200" dirty="0"/>
             <a:t>Tire au hasard</a:t>
           </a:r>
-          <a:endParaRPr lang="fr-FR" sz="1300" kern="1200" dirty="0"/>
         </a:p>
       </dsp:txBody>
       <dsp:txXfrm rot="-5400000">
@@ -1443,7 +1394,7 @@
         </a:bodyPr>
         <a:lstStyle/>
         <a:p>
-          <a:pPr lvl="0" algn="ctr" defTabSz="1289050">
+          <a:pPr marL="0" lvl="0" indent="0" algn="ctr" defTabSz="1289050">
             <a:lnSpc>
               <a:spcPct val="90000"/>
             </a:lnSpc>
@@ -1453,12 +1404,12 @@
             <a:spcAft>
               <a:spcPct val="35000"/>
             </a:spcAft>
+            <a:buNone/>
           </a:pPr>
           <a:r>
-            <a:rPr lang="fr-FR" sz="2900" kern="1200" dirty="0" smtClean="0"/>
+            <a:rPr lang="fr-FR" sz="2900" kern="1200" dirty="0"/>
             <a:t>Facile</a:t>
           </a:r>
-          <a:endParaRPr lang="fr-FR" sz="2900" kern="1200" dirty="0"/>
         </a:p>
       </dsp:txBody>
       <dsp:txXfrm>
@@ -1532,13 +1483,12 @@
             <a:spcAft>
               <a:spcPct val="15000"/>
             </a:spcAft>
-            <a:buChar char="••"/>
+            <a:buChar char="•"/>
           </a:pPr>
           <a:r>
-            <a:rPr lang="fr-FR" sz="1300" kern="1200" dirty="0" smtClean="0"/>
+            <a:rPr lang="fr-FR" sz="1300" kern="1200" dirty="0"/>
             <a:t>Tire au hasard et suis un bateaux</a:t>
           </a:r>
-          <a:endParaRPr lang="fr-FR" sz="1300" kern="1200" dirty="0"/>
         </a:p>
       </dsp:txBody>
       <dsp:txXfrm rot="-5400000">
@@ -1600,7 +1550,7 @@
         </a:bodyPr>
         <a:lstStyle/>
         <a:p>
-          <a:pPr lvl="0" algn="ctr" defTabSz="1289050">
+          <a:pPr marL="0" lvl="0" indent="0" algn="ctr" defTabSz="1289050">
             <a:lnSpc>
               <a:spcPct val="90000"/>
             </a:lnSpc>
@@ -1610,12 +1560,12 @@
             <a:spcAft>
               <a:spcPct val="35000"/>
             </a:spcAft>
+            <a:buNone/>
           </a:pPr>
           <a:r>
-            <a:rPr lang="fr-FR" sz="2900" kern="1200" dirty="0" smtClean="0"/>
+            <a:rPr lang="fr-FR" sz="2900" kern="1200" dirty="0"/>
             <a:t>Moyen</a:t>
           </a:r>
-          <a:endParaRPr lang="fr-FR" sz="2900" kern="1200" dirty="0"/>
         </a:p>
       </dsp:txBody>
       <dsp:txXfrm>
@@ -1689,13 +1639,12 @@
             <a:spcAft>
               <a:spcPct val="15000"/>
             </a:spcAft>
-            <a:buChar char="••"/>
+            <a:buChar char="•"/>
           </a:pPr>
           <a:r>
-            <a:rPr lang="fr-FR" sz="1300" kern="1200" dirty="0" smtClean="0"/>
+            <a:rPr lang="fr-FR" sz="1300" kern="1200" dirty="0"/>
             <a:t>Tire au hasard sur les cases paires et suis les bateaux</a:t>
           </a:r>
-          <a:endParaRPr lang="fr-FR" sz="1300" kern="1200" dirty="0"/>
         </a:p>
       </dsp:txBody>
       <dsp:txXfrm rot="-5400000">
@@ -1757,7 +1706,7 @@
         </a:bodyPr>
         <a:lstStyle/>
         <a:p>
-          <a:pPr lvl="0" algn="ctr" defTabSz="1289050">
+          <a:pPr marL="0" lvl="0" indent="0" algn="ctr" defTabSz="1289050">
             <a:lnSpc>
               <a:spcPct val="90000"/>
             </a:lnSpc>
@@ -1767,12 +1716,12 @@
             <a:spcAft>
               <a:spcPct val="35000"/>
             </a:spcAft>
+            <a:buNone/>
           </a:pPr>
           <a:r>
-            <a:rPr lang="fr-FR" sz="2900" kern="1200" dirty="0" smtClean="0"/>
+            <a:rPr lang="fr-FR" sz="2900" kern="1200" dirty="0"/>
             <a:t>Difficile</a:t>
           </a:r>
-          <a:endParaRPr lang="fr-FR" sz="2900" kern="1200" dirty="0"/>
         </a:p>
       </dsp:txBody>
       <dsp:txXfrm>
@@ -3135,7 +3084,7 @@
             <a:pPr algn="r" rtl="0"/>
             <a:fld id="{D8AF6929-4F16-43A6-8368-BF93843271D3}" type="datetime1">
               <a:rPr lang="fr-FR" smtClean="0"/>
-              <a:t>06/06/2018</a:t>
+              <a:t>07/06/2018</a:t>
             </a:fld>
             <a:endParaRPr lang="fr-FR" dirty="0"/>
           </a:p>
@@ -3306,7 +3255,7 @@
             <a:fld id="{4D9CF8A1-AC6C-4B34-A6AF-5306B09514F1}" type="datetime1">
               <a:rPr lang="fr-FR" smtClean="0"/>
               <a:pPr/>
-              <a:t>06/06/2018</a:t>
+              <a:t>07/06/2018</a:t>
             </a:fld>
             <a:endParaRPr lang="fr-FR" dirty="0"/>
           </a:p>
@@ -3371,38 +3320,37 @@
           <a:p>
             <a:pPr lvl="0" rtl="0"/>
             <a:r>
-              <a:rPr lang="fr-FR" dirty="0" smtClean="0"/>
+              <a:rPr lang="fr-FR" dirty="0"/>
               <a:t>Modifiez les styles du texte du masque</a:t>
             </a:r>
           </a:p>
           <a:p>
             <a:pPr lvl="1" rtl="0"/>
             <a:r>
-              <a:rPr lang="fr-FR" dirty="0" smtClean="0"/>
+              <a:rPr lang="fr-FR" dirty="0"/>
               <a:t>Deuxième niveau</a:t>
             </a:r>
           </a:p>
           <a:p>
             <a:pPr lvl="2" rtl="0"/>
             <a:r>
-              <a:rPr lang="fr-FR" dirty="0" smtClean="0"/>
+              <a:rPr lang="fr-FR" dirty="0"/>
               <a:t>Troisième niveau</a:t>
             </a:r>
           </a:p>
           <a:p>
             <a:pPr lvl="3" rtl="0"/>
             <a:r>
-              <a:rPr lang="fr-FR" dirty="0" smtClean="0"/>
+              <a:rPr lang="fr-FR" dirty="0"/>
               <a:t>Quatrième niveau</a:t>
             </a:r>
           </a:p>
           <a:p>
             <a:pPr lvl="4" rtl="0"/>
             <a:r>
-              <a:rPr lang="fr-FR" dirty="0" smtClean="0"/>
+              <a:rPr lang="fr-FR" dirty="0"/>
               <a:t>Cinquième niveau</a:t>
             </a:r>
-            <a:endParaRPr lang="fr-FR" dirty="0"/>
           </a:p>
         </p:txBody>
       </p:sp>
@@ -3641,7 +3589,7 @@
               <a:defRPr/>
             </a:pPr>
             <a:r>
-              <a:rPr lang="fr-FR" dirty="0" smtClean="0"/>
+              <a:rPr lang="fr-FR" dirty="0"/>
               <a:t>Rappel du sujet :</a:t>
             </a:r>
           </a:p>
@@ -3663,7 +3611,7 @@
               <a:tabLst/>
               <a:defRPr/>
             </a:pPr>
-            <a:endParaRPr lang="fr-FR" dirty="0" smtClean="0"/>
+            <a:endParaRPr lang="fr-FR" dirty="0"/>
           </a:p>
           <a:p>
             <a:pPr marL="0" marR="0" lvl="0" indent="0" algn="l" defTabSz="1218987" rtl="0" eaLnBrk="1" fontAlgn="auto" latinLnBrk="0" hangingPunct="1">
@@ -3684,11 +3632,11 @@
               <a:defRPr/>
             </a:pPr>
             <a:r>
-              <a:rPr lang="fr-FR" dirty="0" smtClean="0"/>
+              <a:rPr lang="fr-FR" dirty="0"/>
               <a:t>L’objectif de ce projet était</a:t>
             </a:r>
             <a:r>
-              <a:rPr lang="fr-FR" baseline="0" dirty="0" smtClean="0"/>
+              <a:rPr lang="fr-FR" baseline="0" dirty="0"/>
               <a:t> de réaliser un programme multi jeux : la boite de jeux </a:t>
             </a:r>
           </a:p>
@@ -3711,7 +3659,7 @@
               <a:defRPr/>
             </a:pPr>
             <a:r>
-              <a:rPr lang="fr-FR" baseline="0" dirty="0" smtClean="0"/>
+              <a:rPr lang="fr-FR" baseline="0" dirty="0"/>
               <a:t>Pour ce faire il fallait qu’un utilisateur puisse créer un compte, se connecter, jouer en tant qu’invité. Cet utilisateur doit avoir accès au statistique du jeu comme le nombre de parties gagnées et son ratio pour chaque jeu.</a:t>
             </a:r>
           </a:p>
@@ -3734,10 +3682,10 @@
               <a:defRPr/>
             </a:pPr>
             <a:r>
-              <a:rPr lang="fr-FR" baseline="0" dirty="0" smtClean="0"/>
+              <a:rPr lang="fr-FR" baseline="0" dirty="0"/>
               <a:t>De plus il doit pouvoir jouer à la bataille navale et au jeu du pendu</a:t>
             </a:r>
-            <a:endParaRPr lang="fr-FR" dirty="0" smtClean="0"/>
+            <a:endParaRPr lang="fr-FR" dirty="0"/>
           </a:p>
           <a:p>
             <a:pPr marL="0" marR="0" lvl="0" indent="0" algn="l" defTabSz="1218987" rtl="0" eaLnBrk="1" fontAlgn="auto" latinLnBrk="0" hangingPunct="1">
@@ -3757,7 +3705,7 @@
               <a:tabLst/>
               <a:defRPr/>
             </a:pPr>
-            <a:endParaRPr lang="fr-FR" dirty="0" smtClean="0"/>
+            <a:endParaRPr lang="fr-FR" dirty="0"/>
           </a:p>
           <a:p>
             <a:endParaRPr lang="fr-FR" dirty="0"/>
@@ -3944,11 +3892,11 @@
           <a:lstStyle/>
           <a:p>
             <a:r>
-              <a:rPr lang="fr-FR" dirty="0" smtClean="0"/>
+              <a:rPr lang="fr-FR" dirty="0"/>
               <a:t>Nous avions</a:t>
             </a:r>
             <a:r>
-              <a:rPr lang="fr-FR" baseline="0" dirty="0" smtClean="0"/>
+              <a:rPr lang="fr-FR" baseline="0" dirty="0"/>
               <a:t> prévu de terminer chacun séparément nos parties à la fin des dernières vacances, pour nous donner le temps de mettre en commun notre travail. Nous avons bien respecté la limites des vacances a part pour quelques modifications mineures réalisées par la suite. </a:t>
             </a:r>
             <a:endParaRPr lang="fr-FR" dirty="0"/>
@@ -4074,11 +4022,11 @@
           <a:lstStyle/>
           <a:p>
             <a:r>
-              <a:rPr lang="fr-FR" dirty="0" smtClean="0"/>
+              <a:rPr lang="fr-FR" dirty="0"/>
               <a:t>Problème</a:t>
             </a:r>
             <a:r>
-              <a:rPr lang="fr-FR" baseline="0" dirty="0" smtClean="0"/>
+              <a:rPr lang="fr-FR" baseline="0" dirty="0"/>
               <a:t> pour passer d’un jeu sur console à un jeu avec une interface graphique notamment pour récupérer un lettre saisie par l’utilisateur. </a:t>
             </a:r>
           </a:p>
@@ -4145,10 +4093,9 @@
           <a:lstStyle/>
           <a:p>
             <a:r>
-              <a:rPr lang="fr-FR" dirty="0" smtClean="0"/>
+              <a:rPr lang="fr-FR" dirty="0"/>
               <a:t>Lors de la mise en commun </a:t>
             </a:r>
-            <a:endParaRPr lang="fr-FR" dirty="0"/>
           </a:p>
         </p:txBody>
       </p:sp>
@@ -4227,7 +4174,7 @@
               <a:defRPr/>
             </a:pPr>
             <a:r>
-              <a:rPr lang="fr-FR" sz="1600" kern="1200" dirty="0" smtClean="0">
+              <a:rPr lang="fr-FR" sz="1600" kern="1200" dirty="0">
                 <a:solidFill>
                   <a:schemeClr val="tx1"/>
                 </a:solidFill>
@@ -4239,7 +4186,7 @@
               <a:t>Pour terminer, ce projet nous a permis de consolider nos connaissances sur le langage JAVA mais aussi d’en acquérir de nouvelles. Il nous a aussi permis de voir toutes les étapes essentielles d’un vrai projet,</a:t>
             </a:r>
             <a:r>
-              <a:rPr lang="fr-FR" sz="1600" kern="1200" baseline="0" dirty="0" smtClean="0">
+              <a:rPr lang="fr-FR" sz="1600" kern="1200" baseline="0" dirty="0">
                 <a:solidFill>
                   <a:schemeClr val="tx1"/>
                 </a:solidFill>
@@ -4251,7 +4198,7 @@
               <a:t> </a:t>
             </a:r>
             <a:r>
-              <a:rPr lang="fr-FR" sz="1600" kern="1200" dirty="0" smtClean="0">
+              <a:rPr lang="fr-FR" sz="1600" kern="1200" dirty="0">
                 <a:solidFill>
                   <a:schemeClr val="tx1"/>
                 </a:solidFill>
@@ -4262,6 +4209,15 @@
               </a:rPr>
               <a:t>les principaux problèmes auxquels on peut être confronté et comment les résoudre. </a:t>
             </a:r>
+          </a:p>
+          <a:p>
+            <a:r>
+              <a:rPr lang="fr-FR" dirty="0"/>
+              <a:t>Largement dépassé les 40h/personnes.</a:t>
+            </a:r>
+          </a:p>
+          <a:p>
+            <a:endParaRPr lang="fr-FR" dirty="0"/>
           </a:p>
           <a:p>
             <a:endParaRPr lang="fr-FR" dirty="0"/>
@@ -4892,7 +4848,7 @@
           <a:p>
             <a:pPr rtl="0"/>
             <a:r>
-              <a:rPr lang="fr-FR" smtClean="0"/>
+              <a:rPr lang="fr-FR"/>
               <a:t>Modifiez le style du titre</a:t>
             </a:r>
             <a:endParaRPr lang="fr-FR" dirty="0"/>
@@ -5015,7 +4971,7 @@
           <a:p>
             <a:pPr rtl="0"/>
             <a:r>
-              <a:rPr lang="fr-FR" smtClean="0"/>
+              <a:rPr lang="fr-FR"/>
               <a:t>Modifiez le style des sous-titres du masque</a:t>
             </a:r>
             <a:endParaRPr lang="fr-FR" dirty="0"/>
@@ -5043,7 +4999,7 @@
           <a:p>
             <a:fld id="{64FDCFD6-9C21-4D0D-AD6B-7D24223EB97E}" type="datetime1">
               <a:rPr lang="fr-FR" smtClean="0"/>
-              <a:t>06/06/2018</a:t>
+              <a:t>07/06/2018</a:t>
             </a:fld>
             <a:endParaRPr lang="fr-FR" dirty="0"/>
           </a:p>
@@ -5116,13 +5072,6 @@
       </p:transition>
     </mc:Fallback>
   </mc:AlternateContent>
-  <p:timing>
-    <p:tnLst>
-      <p:par>
-        <p:cTn id="1" dur="indefinite" restart="never" nodeType="tmRoot"/>
-      </p:par>
-    </p:tnLst>
-  </p:timing>
 </p:sldLayout>
 </file>
 
@@ -5160,7 +5109,7 @@
           <a:p>
             <a:pPr rtl="0"/>
             <a:r>
-              <a:rPr lang="fr-FR" smtClean="0"/>
+              <a:rPr lang="fr-FR"/>
               <a:t>Modifiez le style du titre</a:t>
             </a:r>
             <a:endParaRPr lang="fr-FR" dirty="0"/>
@@ -5200,35 +5149,35 @@
           <a:p>
             <a:pPr lvl="0" rtl="0"/>
             <a:r>
-              <a:rPr lang="fr-FR" smtClean="0"/>
+              <a:rPr lang="fr-FR"/>
               <a:t>Modifiez les styles du texte du masque</a:t>
             </a:r>
           </a:p>
           <a:p>
             <a:pPr lvl="1" rtl="0"/>
             <a:r>
-              <a:rPr lang="fr-FR" smtClean="0"/>
+              <a:rPr lang="fr-FR"/>
               <a:t>Deuxième niveau</a:t>
             </a:r>
           </a:p>
           <a:p>
             <a:pPr lvl="2" rtl="0"/>
             <a:r>
-              <a:rPr lang="fr-FR" smtClean="0"/>
+              <a:rPr lang="fr-FR"/>
               <a:t>Troisième niveau</a:t>
             </a:r>
           </a:p>
           <a:p>
             <a:pPr lvl="3" rtl="0"/>
             <a:r>
-              <a:rPr lang="fr-FR" smtClean="0"/>
+              <a:rPr lang="fr-FR"/>
               <a:t>Quatrième niveau</a:t>
             </a:r>
           </a:p>
           <a:p>
             <a:pPr lvl="4" rtl="0"/>
             <a:r>
-              <a:rPr lang="fr-FR" smtClean="0"/>
+              <a:rPr lang="fr-FR"/>
               <a:t>Cinquième niveau</a:t>
             </a:r>
             <a:endParaRPr lang="fr-FR" dirty="0"/>
@@ -5256,7 +5205,7 @@
           <a:p>
             <a:fld id="{6A98055C-2217-4CA8-9EC6-E5E7A3BD13E2}" type="datetime1">
               <a:rPr lang="fr-FR" smtClean="0"/>
-              <a:t>06/06/2018</a:t>
+              <a:t>07/06/2018</a:t>
             </a:fld>
             <a:endParaRPr lang="fr-FR" dirty="0"/>
           </a:p>
@@ -5371,7 +5320,7 @@
           <a:p>
             <a:pPr rtl="0"/>
             <a:r>
-              <a:rPr lang="fr-FR" smtClean="0"/>
+              <a:rPr lang="fr-FR"/>
               <a:t>Modifiez le style du titre</a:t>
             </a:r>
             <a:endParaRPr lang="fr-FR" dirty="0"/>
@@ -5416,35 +5365,35 @@
           <a:p>
             <a:pPr lvl="0" rtl="0"/>
             <a:r>
-              <a:rPr lang="fr-FR" smtClean="0"/>
+              <a:rPr lang="fr-FR"/>
               <a:t>Modifiez les styles du texte du masque</a:t>
             </a:r>
           </a:p>
           <a:p>
             <a:pPr lvl="1" rtl="0"/>
             <a:r>
-              <a:rPr lang="fr-FR" smtClean="0"/>
+              <a:rPr lang="fr-FR"/>
               <a:t>Deuxième niveau</a:t>
             </a:r>
           </a:p>
           <a:p>
             <a:pPr lvl="2" rtl="0"/>
             <a:r>
-              <a:rPr lang="fr-FR" smtClean="0"/>
+              <a:rPr lang="fr-FR"/>
               <a:t>Troisième niveau</a:t>
             </a:r>
           </a:p>
           <a:p>
             <a:pPr lvl="3" rtl="0"/>
             <a:r>
-              <a:rPr lang="fr-FR" smtClean="0"/>
+              <a:rPr lang="fr-FR"/>
               <a:t>Quatrième niveau</a:t>
             </a:r>
           </a:p>
           <a:p>
             <a:pPr lvl="4" rtl="0"/>
             <a:r>
-              <a:rPr lang="fr-FR" smtClean="0"/>
+              <a:rPr lang="fr-FR"/>
               <a:t>Cinquième niveau</a:t>
             </a:r>
             <a:endParaRPr lang="fr-FR" dirty="0"/>
@@ -5472,7 +5421,7 @@
           <a:p>
             <a:fld id="{A6435EDA-5F04-456D-A399-9E4EB1C524AD}" type="datetime1">
               <a:rPr lang="fr-FR" smtClean="0"/>
-              <a:t>06/06/2018</a:t>
+              <a:t>07/06/2018</a:t>
             </a:fld>
             <a:endParaRPr lang="fr-FR" dirty="0"/>
           </a:p>
@@ -5582,7 +5531,7 @@
           <a:p>
             <a:pPr rtl="0"/>
             <a:r>
-              <a:rPr lang="fr-FR" smtClean="0"/>
+              <a:rPr lang="fr-FR"/>
               <a:t>Modifiez le style du titre</a:t>
             </a:r>
             <a:endParaRPr lang="fr-FR" dirty="0"/>
@@ -5622,35 +5571,35 @@
           <a:p>
             <a:pPr lvl="0" rtl="0"/>
             <a:r>
-              <a:rPr lang="fr-FR" smtClean="0"/>
+              <a:rPr lang="fr-FR"/>
               <a:t>Modifiez les styles du texte du masque</a:t>
             </a:r>
           </a:p>
           <a:p>
             <a:pPr lvl="1" rtl="0"/>
             <a:r>
-              <a:rPr lang="fr-FR" smtClean="0"/>
+              <a:rPr lang="fr-FR"/>
               <a:t>Deuxième niveau</a:t>
             </a:r>
           </a:p>
           <a:p>
             <a:pPr lvl="2" rtl="0"/>
             <a:r>
-              <a:rPr lang="fr-FR" smtClean="0"/>
+              <a:rPr lang="fr-FR"/>
               <a:t>Troisième niveau</a:t>
             </a:r>
           </a:p>
           <a:p>
             <a:pPr lvl="3" rtl="0"/>
             <a:r>
-              <a:rPr lang="fr-FR" smtClean="0"/>
+              <a:rPr lang="fr-FR"/>
               <a:t>Quatrième niveau</a:t>
             </a:r>
           </a:p>
           <a:p>
             <a:pPr lvl="4" rtl="0"/>
             <a:r>
-              <a:rPr lang="fr-FR" smtClean="0"/>
+              <a:rPr lang="fr-FR"/>
               <a:t>Cinquième niveau</a:t>
             </a:r>
             <a:endParaRPr lang="fr-FR" dirty="0"/>
@@ -5678,7 +5627,7 @@
           <a:p>
             <a:fld id="{42D6CCA3-20B7-4318-8B7B-11661980B5F2}" type="datetime1">
               <a:rPr lang="fr-FR" smtClean="0"/>
-              <a:t>06/06/2018</a:t>
+              <a:t>07/06/2018</a:t>
             </a:fld>
             <a:endParaRPr lang="fr-FR" dirty="0"/>
           </a:p>
@@ -5968,7 +5917,7 @@
           <a:p>
             <a:pPr rtl="0"/>
             <a:r>
-              <a:rPr lang="fr-FR" smtClean="0"/>
+              <a:rPr lang="fr-FR"/>
               <a:t>Modifiez le style du titre</a:t>
             </a:r>
             <a:endParaRPr lang="fr-FR" dirty="0"/>
@@ -6091,7 +6040,7 @@
           <a:p>
             <a:pPr lvl="0" rtl="0"/>
             <a:r>
-              <a:rPr lang="fr-FR" smtClean="0"/>
+              <a:rPr lang="fr-FR"/>
               <a:t>Modifiez les styles du texte du masque</a:t>
             </a:r>
           </a:p>
@@ -6118,7 +6067,7 @@
           <a:p>
             <a:fld id="{235EEE77-B7E7-4EA2-B8A8-95DC6C0B58F6}" type="datetime1">
               <a:rPr lang="fr-FR" smtClean="0"/>
-              <a:t>06/06/2018</a:t>
+              <a:t>07/06/2018</a:t>
             </a:fld>
             <a:endParaRPr lang="fr-FR" dirty="0"/>
           </a:p>
@@ -6191,13 +6140,6 @@
       </p:transition>
     </mc:Fallback>
   </mc:AlternateContent>
-  <p:timing>
-    <p:tnLst>
-      <p:par>
-        <p:cTn id="1" dur="indefinite" restart="never" nodeType="tmRoot"/>
-      </p:par>
-    </p:tnLst>
-  </p:timing>
 </p:sldLayout>
 </file>
 
@@ -6235,7 +6177,7 @@
           <a:p>
             <a:pPr rtl="0"/>
             <a:r>
-              <a:rPr lang="fr-FR" smtClean="0"/>
+              <a:rPr lang="fr-FR"/>
               <a:t>Modifiez le style du titre</a:t>
             </a:r>
             <a:endParaRPr lang="fr-FR" dirty="0"/>
@@ -6294,35 +6236,35 @@
           <a:p>
             <a:pPr lvl="0" rtl="0"/>
             <a:r>
-              <a:rPr lang="fr-FR" smtClean="0"/>
+              <a:rPr lang="fr-FR"/>
               <a:t>Modifiez les styles du texte du masque</a:t>
             </a:r>
           </a:p>
           <a:p>
             <a:pPr lvl="1" rtl="0"/>
             <a:r>
-              <a:rPr lang="fr-FR" smtClean="0"/>
+              <a:rPr lang="fr-FR"/>
               <a:t>Deuxième niveau</a:t>
             </a:r>
           </a:p>
           <a:p>
             <a:pPr lvl="2" rtl="0"/>
             <a:r>
-              <a:rPr lang="fr-FR" smtClean="0"/>
+              <a:rPr lang="fr-FR"/>
               <a:t>Troisième niveau</a:t>
             </a:r>
           </a:p>
           <a:p>
             <a:pPr lvl="3" rtl="0"/>
             <a:r>
-              <a:rPr lang="fr-FR" smtClean="0"/>
+              <a:rPr lang="fr-FR"/>
               <a:t>Quatrième niveau</a:t>
             </a:r>
           </a:p>
           <a:p>
             <a:pPr lvl="4" rtl="0"/>
             <a:r>
-              <a:rPr lang="fr-FR" smtClean="0"/>
+              <a:rPr lang="fr-FR"/>
               <a:t>Cinquième niveau</a:t>
             </a:r>
             <a:endParaRPr lang="fr-FR" dirty="0"/>
@@ -6381,35 +6323,35 @@
           <a:p>
             <a:pPr lvl="0" rtl="0"/>
             <a:r>
-              <a:rPr lang="fr-FR" smtClean="0"/>
+              <a:rPr lang="fr-FR"/>
               <a:t>Modifiez les styles du texte du masque</a:t>
             </a:r>
           </a:p>
           <a:p>
             <a:pPr lvl="1" rtl="0"/>
             <a:r>
-              <a:rPr lang="fr-FR" smtClean="0"/>
+              <a:rPr lang="fr-FR"/>
               <a:t>Deuxième niveau</a:t>
             </a:r>
           </a:p>
           <a:p>
             <a:pPr lvl="2" rtl="0"/>
             <a:r>
-              <a:rPr lang="fr-FR" smtClean="0"/>
+              <a:rPr lang="fr-FR"/>
               <a:t>Troisième niveau</a:t>
             </a:r>
           </a:p>
           <a:p>
             <a:pPr lvl="3" rtl="0"/>
             <a:r>
-              <a:rPr lang="fr-FR" smtClean="0"/>
+              <a:rPr lang="fr-FR"/>
               <a:t>Quatrième niveau</a:t>
             </a:r>
           </a:p>
           <a:p>
             <a:pPr lvl="4" rtl="0"/>
             <a:r>
-              <a:rPr lang="fr-FR" smtClean="0"/>
+              <a:rPr lang="fr-FR"/>
               <a:t>Cinquième niveau</a:t>
             </a:r>
             <a:endParaRPr lang="fr-FR" dirty="0"/>
@@ -6437,7 +6379,7 @@
           <a:p>
             <a:fld id="{73B46EAB-C164-44B7-AD99-231E72A05B05}" type="datetime1">
               <a:rPr lang="fr-FR" smtClean="0"/>
-              <a:t>06/06/2018</a:t>
+              <a:t>07/06/2018</a:t>
             </a:fld>
             <a:endParaRPr lang="fr-FR" dirty="0"/>
           </a:p>
@@ -6551,7 +6493,7 @@
           <a:p>
             <a:pPr rtl="0"/>
             <a:r>
-              <a:rPr lang="fr-FR" smtClean="0"/>
+              <a:rPr lang="fr-FR"/>
               <a:t>Modifiez le style du titre</a:t>
             </a:r>
             <a:endParaRPr lang="fr-FR" dirty="0"/>
@@ -6626,7 +6568,7 @@
           <a:p>
             <a:pPr lvl="0" rtl="0"/>
             <a:r>
-              <a:rPr lang="fr-FR" smtClean="0"/>
+              <a:rPr lang="fr-FR"/>
               <a:t>Modifiez les styles du texte du masque</a:t>
             </a:r>
           </a:p>
@@ -6684,35 +6626,35 @@
           <a:p>
             <a:pPr lvl="0" rtl="0"/>
             <a:r>
-              <a:rPr lang="fr-FR" smtClean="0"/>
+              <a:rPr lang="fr-FR"/>
               <a:t>Modifiez les styles du texte du masque</a:t>
             </a:r>
           </a:p>
           <a:p>
             <a:pPr lvl="1" rtl="0"/>
             <a:r>
-              <a:rPr lang="fr-FR" smtClean="0"/>
+              <a:rPr lang="fr-FR"/>
               <a:t>Deuxième niveau</a:t>
             </a:r>
           </a:p>
           <a:p>
             <a:pPr lvl="2" rtl="0"/>
             <a:r>
-              <a:rPr lang="fr-FR" smtClean="0"/>
+              <a:rPr lang="fr-FR"/>
               <a:t>Troisième niveau</a:t>
             </a:r>
           </a:p>
           <a:p>
             <a:pPr lvl="3" rtl="0"/>
             <a:r>
-              <a:rPr lang="fr-FR" smtClean="0"/>
+              <a:rPr lang="fr-FR"/>
               <a:t>Quatrième niveau</a:t>
             </a:r>
           </a:p>
           <a:p>
             <a:pPr lvl="4" rtl="0"/>
             <a:r>
-              <a:rPr lang="fr-FR" smtClean="0"/>
+              <a:rPr lang="fr-FR"/>
               <a:t>Cinquième niveau</a:t>
             </a:r>
             <a:endParaRPr lang="fr-FR" dirty="0"/>
@@ -6787,7 +6729,7 @@
           <a:p>
             <a:pPr lvl="0" rtl="0"/>
             <a:r>
-              <a:rPr lang="fr-FR" smtClean="0"/>
+              <a:rPr lang="fr-FR"/>
               <a:t>Modifiez les styles du texte du masque</a:t>
             </a:r>
           </a:p>
@@ -6845,35 +6787,35 @@
           <a:p>
             <a:pPr lvl="0" rtl="0"/>
             <a:r>
-              <a:rPr lang="fr-FR" smtClean="0"/>
+              <a:rPr lang="fr-FR"/>
               <a:t>Modifiez les styles du texte du masque</a:t>
             </a:r>
           </a:p>
           <a:p>
             <a:pPr lvl="1" rtl="0"/>
             <a:r>
-              <a:rPr lang="fr-FR" smtClean="0"/>
+              <a:rPr lang="fr-FR"/>
               <a:t>Deuxième niveau</a:t>
             </a:r>
           </a:p>
           <a:p>
             <a:pPr lvl="2" rtl="0"/>
             <a:r>
-              <a:rPr lang="fr-FR" smtClean="0"/>
+              <a:rPr lang="fr-FR"/>
               <a:t>Troisième niveau</a:t>
             </a:r>
           </a:p>
           <a:p>
             <a:pPr lvl="3" rtl="0"/>
             <a:r>
-              <a:rPr lang="fr-FR" smtClean="0"/>
+              <a:rPr lang="fr-FR"/>
               <a:t>Quatrième niveau</a:t>
             </a:r>
           </a:p>
           <a:p>
             <a:pPr lvl="4" rtl="0"/>
             <a:r>
-              <a:rPr lang="fr-FR" smtClean="0"/>
+              <a:rPr lang="fr-FR"/>
               <a:t>Cinquième niveau</a:t>
             </a:r>
             <a:endParaRPr lang="fr-FR" dirty="0"/>
@@ -6901,7 +6843,7 @@
           <a:p>
             <a:fld id="{2708A5C7-CFB7-4A9E-B870-EECF0F57C4BC}" type="datetime1">
               <a:rPr lang="fr-FR" smtClean="0"/>
-              <a:t>06/06/2018</a:t>
+              <a:t>07/06/2018</a:t>
             </a:fld>
             <a:endParaRPr lang="fr-FR" dirty="0"/>
           </a:p>
@@ -7011,7 +6953,7 @@
           <a:p>
             <a:pPr rtl="0"/>
             <a:r>
-              <a:rPr lang="fr-FR" smtClean="0"/>
+              <a:rPr lang="fr-FR"/>
               <a:t>Modifiez le style du titre</a:t>
             </a:r>
             <a:endParaRPr lang="fr-FR" dirty="0"/>
@@ -7039,7 +6981,7 @@
           <a:p>
             <a:fld id="{56ACBA31-58D6-4D48-B9CA-26EB20D73456}" type="datetime1">
               <a:rPr lang="fr-FR" smtClean="0"/>
-              <a:t>06/06/2018</a:t>
+              <a:t>07/06/2018</a:t>
             </a:fld>
             <a:endParaRPr lang="fr-FR" dirty="0"/>
           </a:p>
@@ -7153,7 +7095,7 @@
           <a:p>
             <a:fld id="{8F839593-9D2C-4079-8B55-1314144B4D2B}" type="datetime1">
               <a:rPr lang="fr-FR" smtClean="0"/>
-              <a:t>06/06/2018</a:t>
+              <a:t>07/06/2018</a:t>
             </a:fld>
             <a:endParaRPr lang="fr-FR" dirty="0"/>
           </a:p>
@@ -7278,7 +7220,7 @@
           <a:p>
             <a:pPr rtl="0"/>
             <a:r>
-              <a:rPr lang="fr-FR" smtClean="0"/>
+              <a:rPr lang="fr-FR"/>
               <a:t>Modifiez le style du titre</a:t>
             </a:r>
             <a:endParaRPr lang="fr-FR" dirty="0"/>
@@ -7346,7 +7288,7 @@
           <a:p>
             <a:pPr lvl="0" rtl="0"/>
             <a:r>
-              <a:rPr lang="fr-FR" smtClean="0"/>
+              <a:rPr lang="fr-FR"/>
               <a:t>Modifiez les styles du texte du masque</a:t>
             </a:r>
           </a:p>
@@ -7404,35 +7346,35 @@
           <a:p>
             <a:pPr lvl="0" rtl="0"/>
             <a:r>
-              <a:rPr lang="fr-FR" smtClean="0"/>
+              <a:rPr lang="fr-FR"/>
               <a:t>Modifiez les styles du texte du masque</a:t>
             </a:r>
           </a:p>
           <a:p>
             <a:pPr lvl="1" rtl="0"/>
             <a:r>
-              <a:rPr lang="fr-FR" smtClean="0"/>
+              <a:rPr lang="fr-FR"/>
               <a:t>Deuxième niveau</a:t>
             </a:r>
           </a:p>
           <a:p>
             <a:pPr lvl="2" rtl="0"/>
             <a:r>
-              <a:rPr lang="fr-FR" smtClean="0"/>
+              <a:rPr lang="fr-FR"/>
               <a:t>Troisième niveau</a:t>
             </a:r>
           </a:p>
           <a:p>
             <a:pPr lvl="3" rtl="0"/>
             <a:r>
-              <a:rPr lang="fr-FR" smtClean="0"/>
+              <a:rPr lang="fr-FR"/>
               <a:t>Quatrième niveau</a:t>
             </a:r>
           </a:p>
           <a:p>
             <a:pPr lvl="4" rtl="0"/>
             <a:r>
-              <a:rPr lang="fr-FR" smtClean="0"/>
+              <a:rPr lang="fr-FR"/>
               <a:t>Cinquième niveau</a:t>
             </a:r>
             <a:endParaRPr lang="fr-FR" dirty="0"/>
@@ -7460,7 +7402,7 @@
           <a:p>
             <a:fld id="{37479498-123E-41E5-B68B-FB2FB7A496F9}" type="datetime1">
               <a:rPr lang="fr-FR" smtClean="0"/>
-              <a:t>06/06/2018</a:t>
+              <a:t>07/06/2018</a:t>
             </a:fld>
             <a:endParaRPr lang="fr-FR" dirty="0"/>
           </a:p>
@@ -7585,7 +7527,7 @@
           <a:p>
             <a:pPr rtl="0"/>
             <a:r>
-              <a:rPr lang="fr-FR" smtClean="0"/>
+              <a:rPr lang="fr-FR"/>
               <a:t>Modifiez le style du titre</a:t>
             </a:r>
             <a:endParaRPr lang="fr-FR" dirty="0"/>
@@ -7653,7 +7595,7 @@
           <a:p>
             <a:pPr lvl="0" rtl="0"/>
             <a:r>
-              <a:rPr lang="fr-FR" smtClean="0"/>
+              <a:rPr lang="fr-FR"/>
               <a:t>Modifiez les styles du texte du masque</a:t>
             </a:r>
           </a:p>
@@ -7729,7 +7671,7 @@
           <a:p>
             <a:pPr rtl="0"/>
             <a:r>
-              <a:rPr lang="fr-FR" smtClean="0"/>
+              <a:rPr lang="fr-FR"/>
               <a:t>Cliquez sur l'icône pour ajouter une image</a:t>
             </a:r>
             <a:endParaRPr lang="fr-FR" dirty="0"/>
@@ -7757,7 +7699,7 @@
           <a:p>
             <a:fld id="{6D4A03FE-CFBD-4714-B1A2-5EE5511FA68B}" type="datetime1">
               <a:rPr lang="fr-FR" smtClean="0"/>
-              <a:t>06/06/2018</a:t>
+              <a:t>07/06/2018</a:t>
             </a:fld>
             <a:endParaRPr lang="fr-FR" dirty="0"/>
           </a:p>
@@ -8279,10 +8221,9 @@
           <a:p>
             <a:pPr rtl="0"/>
             <a:r>
-              <a:rPr lang="fr-FR" dirty="0" smtClean="0"/>
+              <a:rPr lang="fr-FR" dirty="0"/>
               <a:t>Modifiez le style du titre</a:t>
             </a:r>
-            <a:endParaRPr lang="fr-FR" dirty="0"/>
           </a:p>
         </p:txBody>
       </p:sp>
@@ -8313,38 +8254,37 @@
           <a:p>
             <a:pPr lvl="0" rtl="0"/>
             <a:r>
-              <a:rPr lang="fr-FR" dirty="0" smtClean="0"/>
+              <a:rPr lang="fr-FR" dirty="0"/>
               <a:t>Modifiez les styles du texte du masque</a:t>
             </a:r>
           </a:p>
           <a:p>
             <a:pPr lvl="1" rtl="0"/>
             <a:r>
-              <a:rPr lang="fr-FR" dirty="0" smtClean="0"/>
+              <a:rPr lang="fr-FR" dirty="0"/>
               <a:t>Deuxième niveau</a:t>
             </a:r>
           </a:p>
           <a:p>
             <a:pPr lvl="2" rtl="0"/>
             <a:r>
-              <a:rPr lang="fr-FR" dirty="0" smtClean="0"/>
+              <a:rPr lang="fr-FR" dirty="0"/>
               <a:t>Troisième niveau</a:t>
             </a:r>
           </a:p>
           <a:p>
             <a:pPr lvl="3" rtl="0"/>
             <a:r>
-              <a:rPr lang="fr-FR" dirty="0" smtClean="0"/>
+              <a:rPr lang="fr-FR" dirty="0"/>
               <a:t>Quatrième niveau</a:t>
             </a:r>
           </a:p>
           <a:p>
             <a:pPr lvl="4" rtl="0"/>
             <a:r>
-              <a:rPr lang="fr-FR" dirty="0" smtClean="0"/>
+              <a:rPr lang="fr-FR" dirty="0"/>
               <a:t>Cinquième niveau</a:t>
             </a:r>
-            <a:endParaRPr lang="fr-FR" dirty="0"/>
           </a:p>
         </p:txBody>
       </p:sp>
@@ -8383,7 +8323,7 @@
           <a:p>
             <a:fld id="{0A59A48F-5810-43C8-A6D3-7F8C4D578384}" type="datetime1">
               <a:rPr lang="fr-FR" smtClean="0"/>
-              <a:t>06/06/2018</a:t>
+              <a:t>07/06/2018</a:t>
             </a:fld>
             <a:endParaRPr lang="fr-FR" dirty="0"/>
           </a:p>
@@ -8423,7 +8363,7 @@
           </a:lstStyle>
           <a:p>
             <a:r>
-              <a:rPr lang="fr-FR" dirty="0" smtClean="0"/>
+              <a:rPr lang="fr-FR" dirty="0"/>
               <a:t>ABDO Alexandre – CHELLE Auriane – DEUX Etienne</a:t>
             </a:r>
           </a:p>
@@ -8505,13 +8445,6 @@
       </p:transition>
     </mc:Fallback>
   </mc:AlternateContent>
-  <p:timing>
-    <p:tnLst>
-      <p:par>
-        <p:cTn id="1" dur="indefinite" restart="never" nodeType="tmRoot"/>
-      </p:par>
-    </p:tnLst>
-  </p:timing>
   <p:hf hdr="0" dt="0"/>
   <p:txStyles>
     <p:titleStyle>
@@ -8882,10 +8815,9 @@
           <a:p>
             <a:pPr rtl="0"/>
             <a:r>
-              <a:rPr lang="fr-FR" dirty="0" smtClean="0"/>
+              <a:rPr lang="fr-FR" dirty="0"/>
               <a:t>Projet Programmation </a:t>
             </a:r>
-            <a:endParaRPr lang="fr-FR" dirty="0"/>
           </a:p>
         </p:txBody>
       </p:sp>
@@ -8906,10 +8838,9 @@
           <a:p>
             <a:pPr rtl="0"/>
             <a:r>
-              <a:rPr lang="fr-FR" dirty="0" smtClean="0"/>
+              <a:rPr lang="fr-FR" dirty="0"/>
               <a:t>La boite de jeux</a:t>
             </a:r>
-            <a:endParaRPr lang="fr-FR" dirty="0"/>
           </a:p>
         </p:txBody>
       </p:sp>
@@ -8935,10 +8866,9 @@
           <a:p>
             <a:pPr rtl="0"/>
             <a:r>
-              <a:rPr lang="fr-FR" dirty="0" smtClean="0"/>
+              <a:rPr lang="fr-FR" dirty="0"/>
               <a:t>ABDO Alexandre – CHELLE Auriane – DEUX Etienne</a:t>
             </a:r>
-            <a:endParaRPr lang="fr-FR" dirty="0"/>
           </a:p>
         </p:txBody>
       </p:sp>
@@ -9080,13 +9010,6 @@
   <p:transition>
     <p:fade/>
   </p:transition>
-  <p:timing>
-    <p:tnLst>
-      <p:par>
-        <p:cTn id="1" dur="indefinite" restart="never" nodeType="tmRoot"/>
-      </p:par>
-    </p:tnLst>
-  </p:timing>
 </p:sld>
 </file>
 
@@ -9123,10 +9046,9 @@
           <a:lstStyle/>
           <a:p>
             <a:r>
-              <a:rPr lang="fr-FR" dirty="0" smtClean="0"/>
+              <a:rPr lang="fr-FR" dirty="0"/>
               <a:t>Approche technique</a:t>
             </a:r>
-            <a:endParaRPr lang="fr-FR" dirty="0"/>
           </a:p>
         </p:txBody>
       </p:sp>
@@ -9146,78 +9068,78 @@
           <a:lstStyle/>
           <a:p>
             <a:r>
-              <a:rPr lang="fr-FR" dirty="0" smtClean="0"/>
+              <a:rPr lang="fr-FR" dirty="0"/>
               <a:t>Bataille navale</a:t>
             </a:r>
           </a:p>
           <a:p>
             <a:pPr lvl="1"/>
             <a:r>
-              <a:rPr lang="fr-FR" dirty="0" smtClean="0"/>
+              <a:rPr lang="fr-FR" dirty="0"/>
               <a:t>Bateaux</a:t>
             </a:r>
           </a:p>
           <a:p>
             <a:pPr lvl="2"/>
             <a:r>
-              <a:rPr lang="fr-FR" dirty="0" err="1" smtClean="0"/>
+              <a:rPr lang="fr-FR" dirty="0" err="1"/>
               <a:t>CaseBN</a:t>
             </a:r>
-            <a:endParaRPr lang="fr-FR" dirty="0" smtClean="0"/>
+            <a:endParaRPr lang="fr-FR" dirty="0"/>
           </a:p>
           <a:p>
             <a:pPr lvl="2"/>
             <a:r>
-              <a:rPr lang="fr-FR" dirty="0" smtClean="0"/>
+              <a:rPr lang="fr-FR" dirty="0"/>
               <a:t>Direction</a:t>
             </a:r>
           </a:p>
           <a:p>
             <a:pPr lvl="2"/>
             <a:r>
-              <a:rPr lang="fr-FR" dirty="0" smtClean="0"/>
+              <a:rPr lang="fr-FR" dirty="0"/>
               <a:t>Taille</a:t>
             </a:r>
           </a:p>
           <a:p>
             <a:pPr lvl="1"/>
             <a:r>
-              <a:rPr lang="fr-FR" dirty="0" smtClean="0"/>
+              <a:rPr lang="fr-FR" dirty="0"/>
               <a:t>Types </a:t>
             </a:r>
           </a:p>
           <a:p>
             <a:pPr lvl="2"/>
             <a:r>
-              <a:rPr lang="fr-FR" dirty="0" smtClean="0"/>
+              <a:rPr lang="fr-FR" dirty="0"/>
               <a:t>Porte Avion</a:t>
             </a:r>
           </a:p>
           <a:p>
             <a:pPr lvl="2"/>
             <a:r>
-              <a:rPr lang="fr-FR" dirty="0" smtClean="0"/>
+              <a:rPr lang="fr-FR" dirty="0"/>
               <a:t>Croiseur</a:t>
             </a:r>
           </a:p>
           <a:p>
             <a:pPr lvl="2"/>
             <a:r>
-              <a:rPr lang="fr-FR" dirty="0" smtClean="0"/>
+              <a:rPr lang="fr-FR" dirty="0"/>
               <a:t>Contre torpilleur</a:t>
             </a:r>
           </a:p>
           <a:p>
             <a:pPr lvl="2"/>
             <a:r>
-              <a:rPr lang="fr-FR" dirty="0" smtClean="0"/>
+              <a:rPr lang="fr-FR" dirty="0"/>
               <a:t>Sous marin</a:t>
             </a:r>
           </a:p>
           <a:p>
             <a:pPr lvl="2"/>
             <a:r>
-              <a:rPr lang="fr-FR" dirty="0" smtClean="0"/>
+              <a:rPr lang="fr-FR" dirty="0"/>
               <a:t>Torpilleur</a:t>
             </a:r>
           </a:p>
@@ -9311,10 +9233,9 @@
           <a:p>
             <a:pPr algn="ctr"/>
             <a:r>
-              <a:rPr lang="fr-FR" sz="2800" dirty="0" smtClean="0"/>
+              <a:rPr lang="fr-FR" sz="2800" dirty="0"/>
               <a:t>Bateau</a:t>
             </a:r>
-            <a:endParaRPr lang="fr-FR" sz="2800" dirty="0"/>
           </a:p>
         </p:txBody>
       </p:sp>
@@ -9363,10 +9284,9 @@
           <a:p>
             <a:pPr algn="ctr"/>
             <a:r>
-              <a:rPr lang="fr-FR" sz="2800" dirty="0" smtClean="0"/>
+              <a:rPr lang="fr-FR" sz="2800" dirty="0"/>
               <a:t>Case ‘Initiale’</a:t>
             </a:r>
-            <a:endParaRPr lang="fr-FR" sz="2800" dirty="0"/>
           </a:p>
         </p:txBody>
       </p:sp>
@@ -9451,10 +9371,9 @@
           <a:p>
             <a:pPr algn="ctr"/>
             <a:r>
-              <a:rPr lang="fr-FR" sz="2800" dirty="0" smtClean="0"/>
+              <a:rPr lang="fr-FR" sz="2800" dirty="0"/>
               <a:t>Direction</a:t>
             </a:r>
-            <a:endParaRPr lang="fr-FR" sz="2800" dirty="0"/>
           </a:p>
         </p:txBody>
       </p:sp>
@@ -9542,10 +9461,9 @@
           <a:p>
             <a:pPr algn="ctr"/>
             <a:r>
-              <a:rPr lang="fr-FR" sz="2800" dirty="0" smtClean="0"/>
+              <a:rPr lang="fr-FR" sz="2800" dirty="0"/>
               <a:t>Taille</a:t>
             </a:r>
-            <a:endParaRPr lang="fr-FR" sz="2800" dirty="0"/>
           </a:p>
         </p:txBody>
       </p:sp>
@@ -9598,13 +9516,6 @@
   <p:transition>
     <p:fade/>
   </p:transition>
-  <p:timing>
-    <p:tnLst>
-      <p:par>
-        <p:cTn id="1" dur="indefinite" restart="never" nodeType="tmRoot"/>
-      </p:par>
-    </p:tnLst>
-  </p:timing>
 </p:sld>
 </file>
 
@@ -9641,10 +9552,9 @@
           <a:lstStyle/>
           <a:p>
             <a:r>
-              <a:rPr lang="fr-FR" dirty="0" smtClean="0"/>
+              <a:rPr lang="fr-FR" dirty="0"/>
               <a:t>Approche technique</a:t>
             </a:r>
-            <a:endParaRPr lang="fr-FR" dirty="0"/>
           </a:p>
         </p:txBody>
       </p:sp>
@@ -9664,14 +9574,14 @@
           <a:lstStyle/>
           <a:p>
             <a:r>
-              <a:rPr lang="fr-FR" dirty="0" smtClean="0"/>
+              <a:rPr lang="fr-FR" dirty="0"/>
               <a:t>Bataille navale </a:t>
             </a:r>
           </a:p>
           <a:p>
             <a:pPr lvl="1"/>
             <a:r>
-              <a:rPr lang="fr-FR" dirty="0" smtClean="0"/>
+              <a:rPr lang="fr-FR" dirty="0"/>
               <a:t>adversaire</a:t>
             </a:r>
           </a:p>
@@ -9694,13 +9604,8 @@
           <a:p>
             <a:r>
               <a:rPr lang="fr-FR" dirty="0"/>
-              <a:t>ABDO Alexandre – CHELLE Auriane – DEUX </a:t>
-            </a:r>
-            <a:r>
-              <a:rPr lang="fr-FR" dirty="0" smtClean="0"/>
-              <a:t>Etienne</a:t>
-            </a:r>
-            <a:endParaRPr lang="fr-FR" dirty="0"/>
+              <a:t>ABDO Alexandre – CHELLE Auriane – DEUX Etienne</a:t>
+            </a:r>
           </a:p>
         </p:txBody>
       </p:sp>
@@ -9764,13 +9669,6 @@
   <p:transition>
     <p:fade/>
   </p:transition>
-  <p:timing>
-    <p:tnLst>
-      <p:par>
-        <p:cTn id="1" dur="indefinite" restart="never" nodeType="tmRoot"/>
-      </p:par>
-    </p:tnLst>
-  </p:timing>
 </p:sld>
 </file>
 
@@ -9808,13 +9706,8 @@
           <a:p>
             <a:r>
               <a:rPr lang="fr-FR" dirty="0"/>
-              <a:t>Approche </a:t>
-            </a:r>
-            <a:r>
-              <a:rPr lang="fr-FR" dirty="0" smtClean="0"/>
-              <a:t>technique</a:t>
-            </a:r>
-            <a:endParaRPr lang="fr-FR" dirty="0"/>
+              <a:t>Approche technique</a:t>
+            </a:r>
           </a:p>
         </p:txBody>
       </p:sp>
@@ -9834,7 +9727,7 @@
           <a:lstStyle/>
           <a:p>
             <a:r>
-              <a:rPr lang="fr-FR" dirty="0" smtClean="0"/>
+              <a:rPr lang="fr-FR" dirty="0"/>
               <a:t>Pendu</a:t>
             </a:r>
           </a:p>
@@ -9863,13 +9756,8 @@
           <a:p>
             <a:r>
               <a:rPr lang="fr-FR" dirty="0"/>
-              <a:t>ABDO Alexandre – CHELLE Auriane – DEUX </a:t>
-            </a:r>
-            <a:r>
-              <a:rPr lang="fr-FR" dirty="0" smtClean="0"/>
-              <a:t>Etienne</a:t>
-            </a:r>
-            <a:endParaRPr lang="fr-FR" dirty="0"/>
+              <a:t>ABDO Alexandre – CHELLE Auriane – DEUX Etienne</a:t>
+            </a:r>
           </a:p>
         </p:txBody>
       </p:sp>
@@ -9934,13 +9822,6 @@
   <p:transition>
     <p:fade/>
   </p:transition>
-  <p:timing>
-    <p:tnLst>
-      <p:par>
-        <p:cTn id="1" dur="indefinite" restart="never" nodeType="tmRoot"/>
-      </p:par>
-    </p:tnLst>
-  </p:timing>
 </p:sld>
 </file>
 
@@ -9978,13 +9859,8 @@
           <a:p>
             <a:r>
               <a:rPr lang="fr-FR" dirty="0"/>
-              <a:t>Approche </a:t>
-            </a:r>
-            <a:r>
-              <a:rPr lang="fr-FR" dirty="0" smtClean="0"/>
-              <a:t>technique</a:t>
-            </a:r>
-            <a:endParaRPr lang="fr-FR" dirty="0"/>
+              <a:t>Approche technique</a:t>
+            </a:r>
           </a:p>
         </p:txBody>
       </p:sp>
@@ -10004,7 +9880,7 @@
           <a:lstStyle/>
           <a:p>
             <a:r>
-              <a:rPr lang="fr-FR" dirty="0" smtClean="0"/>
+              <a:rPr lang="fr-FR" dirty="0"/>
               <a:t>Pendu</a:t>
             </a:r>
           </a:p>
@@ -10033,13 +9909,8 @@
           <a:p>
             <a:r>
               <a:rPr lang="fr-FR" dirty="0"/>
-              <a:t>ABDO Alexandre – CHELLE Auriane – DEUX </a:t>
-            </a:r>
-            <a:r>
-              <a:rPr lang="fr-FR" dirty="0" smtClean="0"/>
-              <a:t>Etienne</a:t>
-            </a:r>
-            <a:endParaRPr lang="fr-FR" dirty="0"/>
+              <a:t>ABDO Alexandre – CHELLE Auriane – DEUX Etienne</a:t>
+            </a:r>
           </a:p>
         </p:txBody>
       </p:sp>
@@ -10127,25 +9998,17 @@
             <a:p>
               <a:pPr algn="ctr"/>
               <a:r>
-                <a:rPr lang="fr-FR" dirty="0" smtClean="0"/>
-                <a:t>Observable</a:t>
-              </a:r>
-              <a:r>
                 <a:rPr lang="fr-FR" dirty="0"/>
-                <a:t> </a:t>
-              </a:r>
-              <a:r>
-                <a:rPr lang="fr-FR" dirty="0" smtClean="0"/>
-                <a:t>: </a:t>
+                <a:t>Observable : </a:t>
               </a:r>
             </a:p>
             <a:p>
               <a:pPr algn="ctr"/>
               <a:r>
-                <a:rPr lang="fr-FR" dirty="0" err="1" smtClean="0"/>
+                <a:rPr lang="fr-FR" dirty="0" err="1"/>
                 <a:t>JeuPendu</a:t>
               </a:r>
-              <a:endParaRPr lang="fr-FR" dirty="0" smtClean="0"/>
+              <a:endParaRPr lang="fr-FR" dirty="0"/>
             </a:p>
           </p:txBody>
         </p:sp>
@@ -10186,10 +10049,9 @@
             <a:p>
               <a:pPr algn="ctr"/>
               <a:r>
-                <a:rPr lang="fr-FR" sz="2800" dirty="0" smtClean="0"/>
+                <a:rPr lang="fr-FR" sz="2800" dirty="0"/>
                 <a:t>Etape()</a:t>
               </a:r>
-              <a:endParaRPr lang="fr-FR" sz="2800" dirty="0"/>
             </a:p>
           </p:txBody>
         </p:sp>
@@ -10230,14 +10092,13 @@
             <a:p>
               <a:pPr algn="ctr"/>
               <a:r>
-                <a:rPr lang="fr-FR" sz="2800" dirty="0" err="1" smtClean="0"/>
+                <a:rPr lang="fr-FR" sz="2800" dirty="0" err="1"/>
                 <a:t>notifyObservers</a:t>
               </a:r>
               <a:r>
-                <a:rPr lang="fr-FR" sz="2800" dirty="0" smtClean="0"/>
+                <a:rPr lang="fr-FR" sz="2800" dirty="0"/>
                 <a:t>()</a:t>
               </a:r>
-              <a:endParaRPr lang="fr-FR" sz="2800" dirty="0"/>
             </a:p>
           </p:txBody>
         </p:sp>
@@ -10301,14 +10162,14 @@
             <a:p>
               <a:pPr algn="ctr"/>
               <a:r>
-                <a:rPr lang="fr-FR" dirty="0" smtClean="0"/>
+                <a:rPr lang="fr-FR" dirty="0"/>
                 <a:t>Observer :</a:t>
               </a:r>
             </a:p>
             <a:p>
               <a:pPr algn="ctr"/>
               <a:r>
-                <a:rPr lang="fr-FR" dirty="0" err="1" smtClean="0"/>
+                <a:rPr lang="fr-FR" dirty="0" err="1"/>
                 <a:t>JPanel</a:t>
               </a:r>
               <a:endParaRPr lang="fr-FR" dirty="0"/>
@@ -10352,14 +10213,13 @@
             <a:p>
               <a:pPr algn="ctr"/>
               <a:r>
-                <a:rPr lang="fr-FR" sz="2800" dirty="0" err="1" smtClean="0"/>
+                <a:rPr lang="fr-FR" sz="2800" dirty="0" err="1"/>
                 <a:t>KeyPressed</a:t>
               </a:r>
               <a:r>
-                <a:rPr lang="fr-FR" sz="2800" dirty="0" smtClean="0"/>
+                <a:rPr lang="fr-FR" sz="2800" dirty="0"/>
                 <a:t>()</a:t>
               </a:r>
-              <a:endParaRPr lang="fr-FR" sz="2800" dirty="0"/>
             </a:p>
           </p:txBody>
         </p:sp>
@@ -10401,13 +10261,8 @@
               <a:pPr algn="ctr"/>
               <a:r>
                 <a:rPr lang="fr-FR" sz="2800" dirty="0"/>
-                <a:t>u</a:t>
+                <a:t>update()</a:t>
               </a:r>
-              <a:r>
-                <a:rPr lang="fr-FR" sz="2800" dirty="0" smtClean="0"/>
-                <a:t>pdate()</a:t>
-              </a:r>
-              <a:endParaRPr lang="fr-FR" sz="2800" dirty="0"/>
             </a:p>
           </p:txBody>
         </p:sp>
@@ -10569,13 +10424,6 @@
   <p:transition>
     <p:fade/>
   </p:transition>
-  <p:timing>
-    <p:tnLst>
-      <p:par>
-        <p:cTn id="1" dur="indefinite" restart="never" nodeType="tmRoot"/>
-      </p:par>
-    </p:tnLst>
-  </p:timing>
 </p:sld>
 </file>
 
@@ -10613,13 +10461,8 @@
           <a:p>
             <a:r>
               <a:rPr lang="fr-FR" dirty="0"/>
-              <a:t>Approche </a:t>
-            </a:r>
-            <a:r>
-              <a:rPr lang="fr-FR" dirty="0" smtClean="0"/>
-              <a:t>technique</a:t>
-            </a:r>
-            <a:endParaRPr lang="fr-FR" dirty="0"/>
+              <a:t>Approche technique</a:t>
+            </a:r>
           </a:p>
         </p:txBody>
       </p:sp>
@@ -10639,22 +10482,55 @@
           <a:lstStyle/>
           <a:p>
             <a:r>
-              <a:rPr lang="fr-FR" dirty="0" smtClean="0"/>
+              <a:rPr lang="fr-FR" dirty="0"/>
               <a:t>Les problèmes rencontrés</a:t>
             </a:r>
           </a:p>
           <a:p>
             <a:pPr lvl="1"/>
             <a:r>
-              <a:rPr lang="fr-FR" dirty="0" smtClean="0"/>
+              <a:rPr lang="fr-FR" dirty="0"/>
               <a:t>Fusion des packages</a:t>
             </a:r>
           </a:p>
           <a:p>
-            <a:pPr marL="0" indent="0">
-              <a:buNone/>
-            </a:pPr>
-            <a:endParaRPr lang="fr-FR" dirty="0" smtClean="0"/>
+            <a:pPr lvl="1"/>
+            <a:r>
+              <a:rPr lang="fr-FR" dirty="0"/>
+              <a:t>Apprentissage de Swing</a:t>
+            </a:r>
+          </a:p>
+          <a:p>
+            <a:pPr lvl="1"/>
+            <a:r>
+              <a:rPr lang="fr-FR" dirty="0"/>
+              <a:t>Attente d’évènements</a:t>
+            </a:r>
+          </a:p>
+          <a:p>
+            <a:pPr lvl="1"/>
+            <a:r>
+              <a:rPr lang="fr-FR" dirty="0"/>
+              <a:t>Apprentissage de Git</a:t>
+            </a:r>
+          </a:p>
+          <a:p>
+            <a:pPr lvl="1"/>
+            <a:r>
+              <a:rPr lang="fr-FR" dirty="0"/>
+              <a:t>Utilisation des Threads</a:t>
+            </a:r>
+          </a:p>
+          <a:p>
+            <a:pPr lvl="1"/>
+            <a:r>
+              <a:rPr lang="fr-FR" dirty="0"/>
+              <a:t>Utilisation Observable/Observer</a:t>
+            </a:r>
+          </a:p>
+          <a:p>
+            <a:pPr lvl="1"/>
+            <a:endParaRPr lang="fr-FR" dirty="0"/>
           </a:p>
           <a:p>
             <a:pPr marL="0" indent="0">
@@ -10662,6 +10538,12 @@
             </a:pPr>
             <a:endParaRPr lang="fr-FR" dirty="0"/>
           </a:p>
+          <a:p>
+            <a:pPr marL="0" indent="0">
+              <a:buNone/>
+            </a:pPr>
+            <a:endParaRPr lang="fr-FR" dirty="0"/>
+          </a:p>
         </p:txBody>
       </p:sp>
       <p:sp>
@@ -10681,13 +10563,8 @@
           <a:p>
             <a:r>
               <a:rPr lang="fr-FR" dirty="0"/>
-              <a:t>ABDO Alexandre – CHELLE Auriane – DEUX </a:t>
-            </a:r>
-            <a:r>
-              <a:rPr lang="fr-FR" dirty="0" smtClean="0"/>
-              <a:t>Etienne</a:t>
-            </a:r>
-            <a:endParaRPr lang="fr-FR" dirty="0"/>
+              <a:t>ABDO Alexandre – CHELLE Auriane – DEUX Etienne</a:t>
+            </a:r>
           </a:p>
         </p:txBody>
       </p:sp>
@@ -10729,13 +10606,6 @@
   <p:transition>
     <p:fade/>
   </p:transition>
-  <p:timing>
-    <p:tnLst>
-      <p:par>
-        <p:cTn id="1" dur="indefinite" restart="never" nodeType="tmRoot"/>
-      </p:par>
-    </p:tnLst>
-  </p:timing>
 </p:sld>
 </file>
 
@@ -10772,10 +10642,9 @@
           <a:lstStyle/>
           <a:p>
             <a:r>
-              <a:rPr lang="fr-FR" dirty="0" smtClean="0"/>
+              <a:rPr lang="fr-FR" dirty="0"/>
               <a:t>Conclusion</a:t>
             </a:r>
-            <a:endParaRPr lang="fr-FR" dirty="0"/>
           </a:p>
         </p:txBody>
       </p:sp>
@@ -10795,10 +10664,9 @@
           <a:lstStyle/>
           <a:p>
             <a:r>
-              <a:rPr lang="fr-FR" dirty="0" smtClean="0"/>
+              <a:rPr lang="fr-FR" dirty="0"/>
               <a:t>Retour personnel</a:t>
             </a:r>
-            <a:endParaRPr lang="fr-FR" dirty="0"/>
           </a:p>
         </p:txBody>
       </p:sp>
@@ -10824,13 +10692,8 @@
           <a:p>
             <a:r>
               <a:rPr lang="fr-FR" dirty="0"/>
-              <a:t>ABDO Alexandre – CHELLE Auriane – DEUX </a:t>
-            </a:r>
-            <a:r>
-              <a:rPr lang="fr-FR" dirty="0" smtClean="0"/>
-              <a:t>Etienne</a:t>
-            </a:r>
-            <a:endParaRPr lang="fr-FR" dirty="0"/>
+              <a:t>ABDO Alexandre – CHELLE Auriane – DEUX Etienne</a:t>
+            </a:r>
           </a:p>
         </p:txBody>
       </p:sp>
@@ -10872,13 +10735,6 @@
   <p:transition>
     <p:fade/>
   </p:transition>
-  <p:timing>
-    <p:tnLst>
-      <p:par>
-        <p:cTn id="1" dur="indefinite" restart="never" nodeType="tmRoot"/>
-      </p:par>
-    </p:tnLst>
-  </p:timing>
 </p:sld>
 </file>
 
@@ -10915,10 +10771,9 @@
           <a:lstStyle/>
           <a:p>
             <a:r>
-              <a:rPr lang="fr-FR" dirty="0" smtClean="0"/>
+              <a:rPr lang="fr-FR" dirty="0"/>
               <a:t>Ressources utilisées</a:t>
             </a:r>
-            <a:endParaRPr lang="fr-FR" dirty="0"/>
           </a:p>
         </p:txBody>
       </p:sp>
@@ -10938,38 +10793,38 @@
           <a:lstStyle/>
           <a:p>
             <a:r>
-              <a:rPr lang="fr-FR" dirty="0" err="1" smtClean="0"/>
+              <a:rPr lang="fr-FR" dirty="0" err="1"/>
               <a:t>Javadoc</a:t>
             </a:r>
-            <a:endParaRPr lang="fr-FR" dirty="0" smtClean="0"/>
-          </a:p>
-          <a:p>
-            <a:r>
-              <a:rPr lang="fr-FR" dirty="0" err="1" smtClean="0"/>
+            <a:endParaRPr lang="fr-FR" dirty="0"/>
+          </a:p>
+          <a:p>
+            <a:r>
+              <a:rPr lang="fr-FR" dirty="0" err="1"/>
               <a:t>OpenClassrooms</a:t>
             </a:r>
-            <a:endParaRPr lang="fr-FR" dirty="0" smtClean="0"/>
-          </a:p>
-          <a:p>
-            <a:r>
-              <a:rPr lang="fr-FR" dirty="0" err="1" smtClean="0"/>
+            <a:endParaRPr lang="fr-FR" dirty="0"/>
+          </a:p>
+          <a:p>
+            <a:r>
+              <a:rPr lang="fr-FR" dirty="0" err="1"/>
               <a:t>Stack</a:t>
             </a:r>
             <a:r>
-              <a:rPr lang="fr-FR" dirty="0" smtClean="0"/>
+              <a:rPr lang="fr-FR" dirty="0"/>
               <a:t> </a:t>
             </a:r>
             <a:r>
-              <a:rPr lang="fr-FR" dirty="0" err="1" smtClean="0"/>
+              <a:rPr lang="fr-FR" dirty="0" err="1"/>
               <a:t>Overflow</a:t>
             </a:r>
-            <a:endParaRPr lang="fr-FR" dirty="0" smtClean="0"/>
+            <a:endParaRPr lang="fr-FR" dirty="0"/>
           </a:p>
           <a:p>
             <a:pPr marL="0" indent="0">
               <a:buNone/>
             </a:pPr>
-            <a:endParaRPr lang="fr-FR" dirty="0" smtClean="0"/>
+            <a:endParaRPr lang="fr-FR" dirty="0"/>
           </a:p>
           <a:p>
             <a:endParaRPr lang="fr-FR" dirty="0"/>
@@ -10993,13 +10848,8 @@
           <a:p>
             <a:r>
               <a:rPr lang="fr-FR" dirty="0"/>
-              <a:t>ABDO Alexandre – CHELLE Auriane – DEUX </a:t>
-            </a:r>
-            <a:r>
-              <a:rPr lang="fr-FR" dirty="0" smtClean="0"/>
-              <a:t>Etienne</a:t>
-            </a:r>
-            <a:endParaRPr lang="fr-FR" dirty="0"/>
+              <a:t>ABDO Alexandre – CHELLE Auriane – DEUX Etienne</a:t>
+            </a:r>
           </a:p>
         </p:txBody>
       </p:sp>
@@ -11041,13 +10891,6 @@
   <p:transition>
     <p:fade/>
   </p:transition>
-  <p:timing>
-    <p:tnLst>
-      <p:par>
-        <p:cTn id="1" dur="indefinite" restart="never" nodeType="tmRoot"/>
-      </p:par>
-    </p:tnLst>
-  </p:timing>
 </p:sld>
 </file>
 
@@ -11084,10 +10927,9 @@
           <a:lstStyle/>
           <a:p>
             <a:r>
-              <a:rPr lang="fr-FR" dirty="0" smtClean="0"/>
+              <a:rPr lang="fr-FR" dirty="0"/>
               <a:t>Sommaire </a:t>
             </a:r>
-            <a:endParaRPr lang="fr-FR" dirty="0"/>
           </a:p>
         </p:txBody>
       </p:sp>
@@ -11110,7 +10952,7 @@
               <a:buFont typeface="+mj-lt"/>
               <a:buAutoNum type="romanUcPeriod"/>
             </a:pPr>
-            <a:endParaRPr lang="fr-FR" dirty="0" smtClean="0"/>
+            <a:endParaRPr lang="fr-FR" dirty="0"/>
           </a:p>
           <a:p>
             <a:pPr marL="571500" indent="-571500">
@@ -11119,13 +10961,8 @@
             </a:pPr>
             <a:r>
               <a:rPr lang="fr-FR" dirty="0"/>
-              <a:t>Approche </a:t>
-            </a:r>
-            <a:r>
-              <a:rPr lang="fr-FR" dirty="0" smtClean="0"/>
-              <a:t>organisationnelle</a:t>
-            </a:r>
-            <a:endParaRPr lang="fr-FR" dirty="0" smtClean="0"/>
+              <a:t>Approche organisationnelle</a:t>
+            </a:r>
           </a:p>
           <a:p>
             <a:pPr marL="571500" indent="-571500">
@@ -11133,10 +10970,9 @@
               <a:buAutoNum type="romanUcPeriod"/>
             </a:pPr>
             <a:r>
-              <a:rPr lang="fr-FR" dirty="0" smtClean="0"/>
+              <a:rPr lang="fr-FR" dirty="0"/>
               <a:t>Démonstration </a:t>
             </a:r>
-            <a:endParaRPr lang="fr-FR" dirty="0" smtClean="0"/>
           </a:p>
           <a:p>
             <a:pPr marL="571500" indent="-571500">
@@ -11144,16 +10980,12 @@
               <a:buAutoNum type="romanUcPeriod"/>
             </a:pPr>
             <a:r>
-              <a:rPr lang="fr-FR" dirty="0" smtClean="0"/>
-              <a:t>Approche </a:t>
-            </a:r>
-            <a:r>
-              <a:rPr lang="fr-FR" dirty="0" smtClean="0"/>
-              <a:t>technique</a:t>
-            </a:r>
-          </a:p>
-          <a:p>
-            <a:endParaRPr lang="fr-FR" dirty="0" smtClean="0"/>
+              <a:rPr lang="fr-FR" dirty="0"/>
+              <a:t>Approche technique</a:t>
+            </a:r>
+          </a:p>
+          <a:p>
+            <a:endParaRPr lang="fr-FR" dirty="0"/>
           </a:p>
         </p:txBody>
       </p:sp>
@@ -11174,13 +11006,8 @@
           <a:p>
             <a:r>
               <a:rPr lang="fr-FR" dirty="0"/>
-              <a:t>ABDO Alexandre – CHELLE Auriane – DEUX </a:t>
-            </a:r>
-            <a:r>
-              <a:rPr lang="fr-FR" dirty="0" smtClean="0"/>
-              <a:t>Etienne</a:t>
-            </a:r>
-            <a:endParaRPr lang="fr-FR" dirty="0"/>
+              <a:t>ABDO Alexandre – CHELLE Auriane – DEUX Etienne</a:t>
+            </a:r>
           </a:p>
         </p:txBody>
       </p:sp>
@@ -11222,13 +11049,6 @@
   <p:transition>
     <p:fade/>
   </p:transition>
-  <p:timing>
-    <p:tnLst>
-      <p:par>
-        <p:cTn id="1" dur="indefinite" restart="never" nodeType="tmRoot"/>
-      </p:par>
-    </p:tnLst>
-  </p:timing>
 </p:sld>
 </file>
 
@@ -11265,10 +11085,9 @@
           <a:lstStyle/>
           <a:p>
             <a:r>
-              <a:rPr lang="fr-FR" dirty="0" smtClean="0"/>
+              <a:rPr lang="fr-FR" dirty="0"/>
               <a:t>Approche organisationnelle</a:t>
             </a:r>
-            <a:endParaRPr lang="fr-FR" dirty="0"/>
           </a:p>
         </p:txBody>
       </p:sp>
@@ -11295,26 +11114,14 @@
           <a:lstStyle/>
           <a:p>
             <a:r>
-              <a:rPr lang="fr-FR" dirty="0" smtClean="0"/>
-              <a:t>JAVA </a:t>
-            </a:r>
-            <a:r>
               <a:rPr lang="fr-FR" dirty="0"/>
-              <a:t>SE version </a:t>
-            </a:r>
-            <a:r>
-              <a:rPr lang="fr-FR" dirty="0" smtClean="0"/>
-              <a:t>8</a:t>
-            </a:r>
-          </a:p>
-          <a:p>
-            <a:r>
-              <a:rPr lang="fr-FR" dirty="0" smtClean="0"/>
-              <a:t>IDE </a:t>
-            </a:r>
+              <a:t>JAVA SE version 8</a:t>
+            </a:r>
+          </a:p>
+          <a:p>
             <a:r>
               <a:rPr lang="fr-FR" dirty="0"/>
-              <a:t>: </a:t>
+              <a:t>IDE : </a:t>
             </a:r>
             <a:r>
               <a:rPr lang="fr-FR" dirty="0" err="1"/>
@@ -11324,15 +11131,14 @@
               <a:rPr lang="fr-FR" dirty="0"/>
               <a:t> </a:t>
             </a:r>
-            <a:endParaRPr lang="fr-FR" dirty="0" smtClean="0"/>
-          </a:p>
-          <a:p>
-            <a:r>
-              <a:rPr lang="fr-FR" dirty="0" smtClean="0"/>
+          </a:p>
+          <a:p>
+            <a:r>
+              <a:rPr lang="fr-FR" dirty="0"/>
               <a:t>Bibliothèque : IO et </a:t>
             </a:r>
             <a:r>
-              <a:rPr lang="fr-FR" dirty="0" err="1" smtClean="0"/>
+              <a:rPr lang="fr-FR" dirty="0" err="1"/>
               <a:t>Util</a:t>
             </a:r>
             <a:endParaRPr lang="fr-FR" dirty="0"/>
@@ -11350,21 +11156,20 @@
           </a:p>
           <a:p>
             <a:r>
-              <a:rPr lang="fr-FR" dirty="0" smtClean="0"/>
+              <a:rPr lang="fr-FR" dirty="0"/>
               <a:t>Editeur swing de </a:t>
             </a:r>
             <a:r>
-              <a:rPr lang="fr-FR" dirty="0" err="1" smtClean="0"/>
+              <a:rPr lang="fr-FR" dirty="0" err="1"/>
               <a:t>NetBeans</a:t>
             </a:r>
             <a:endParaRPr lang="fr-FR" dirty="0"/>
           </a:p>
           <a:p>
             <a:r>
-              <a:rPr lang="fr-FR" dirty="0" smtClean="0"/>
+              <a:rPr lang="fr-FR" dirty="0"/>
               <a:t>Editeur de diagramme : Dia</a:t>
             </a:r>
-            <a:endParaRPr lang="fr-FR" dirty="0"/>
           </a:p>
         </p:txBody>
       </p:sp>
@@ -11394,22 +11199,21 @@
               <a:buNone/>
             </a:pPr>
             <a:r>
-              <a:rPr lang="fr-FR" dirty="0" smtClean="0"/>
+              <a:rPr lang="fr-FR" dirty="0"/>
               <a:t>Partage de données :</a:t>
             </a:r>
           </a:p>
           <a:p>
             <a:r>
-              <a:rPr lang="fr-FR" dirty="0" smtClean="0"/>
+              <a:rPr lang="fr-FR" dirty="0"/>
               <a:t>Git </a:t>
             </a:r>
           </a:p>
           <a:p>
             <a:r>
-              <a:rPr lang="fr-FR" dirty="0" smtClean="0"/>
+              <a:rPr lang="fr-FR" dirty="0"/>
               <a:t>Google Drive</a:t>
             </a:r>
-            <a:endParaRPr lang="fr-FR" dirty="0"/>
           </a:p>
         </p:txBody>
       </p:sp>
@@ -11430,13 +11234,8 @@
           <a:p>
             <a:r>
               <a:rPr lang="fr-FR" dirty="0"/>
-              <a:t>ABDO Alexandre – CHELLE Auriane – DEUX </a:t>
-            </a:r>
-            <a:r>
-              <a:rPr lang="fr-FR" dirty="0" smtClean="0"/>
-              <a:t>Etienne</a:t>
-            </a:r>
-            <a:endParaRPr lang="fr-FR" dirty="0"/>
+              <a:t>ABDO Alexandre – CHELLE Auriane – DEUX Etienne</a:t>
+            </a:r>
           </a:p>
         </p:txBody>
       </p:sp>
@@ -11489,13 +11288,8 @@
           <a:p>
             <a:r>
               <a:rPr lang="fr-FR" sz="2800" dirty="0"/>
-              <a:t>Environnement </a:t>
-            </a:r>
-            <a:r>
-              <a:rPr lang="fr-FR" sz="2800" dirty="0" smtClean="0"/>
-              <a:t>technique</a:t>
-            </a:r>
-            <a:endParaRPr lang="fr-FR" sz="2800" dirty="0"/>
+              <a:t>Environnement technique</a:t>
+            </a:r>
           </a:p>
         </p:txBody>
       </p:sp>
@@ -11512,13 +11306,6 @@
   <p:transition>
     <p:fade/>
   </p:transition>
-  <p:timing>
-    <p:tnLst>
-      <p:par>
-        <p:cTn id="1" dur="indefinite" restart="never" nodeType="tmRoot"/>
-      </p:par>
-    </p:tnLst>
-  </p:timing>
 </p:sld>
 </file>
 
@@ -11556,13 +11343,8 @@
           <a:p>
             <a:r>
               <a:rPr lang="fr-FR" dirty="0"/>
-              <a:t>Approche </a:t>
-            </a:r>
-            <a:r>
-              <a:rPr lang="fr-FR" dirty="0" smtClean="0"/>
-              <a:t>organisationnelle</a:t>
-            </a:r>
-            <a:endParaRPr lang="fr-FR" dirty="0"/>
+              <a:t>Approche organisationnelle</a:t>
+            </a:r>
           </a:p>
         </p:txBody>
       </p:sp>
@@ -11584,47 +11366,31 @@
             <a:pPr marL="0" indent="0">
               <a:buNone/>
             </a:pPr>
-            <a:endParaRPr lang="fr-FR" dirty="0" smtClean="0"/>
-          </a:p>
-          <a:p>
-            <a:r>
-              <a:rPr lang="fr-FR" dirty="0" smtClean="0"/>
-              <a:t>La gestion des </a:t>
-            </a:r>
-            <a:r>
-              <a:rPr lang="fr-FR" dirty="0" smtClean="0"/>
-              <a:t>connexions </a:t>
-            </a:r>
-            <a:r>
-              <a:rPr lang="fr-FR" dirty="0" smtClean="0"/>
-              <a:t>et des statistiques : Etienne</a:t>
-            </a:r>
-          </a:p>
-          <a:p>
-            <a:r>
-              <a:rPr lang="fr-FR" dirty="0" smtClean="0"/>
+            <a:endParaRPr lang="fr-FR" dirty="0"/>
+          </a:p>
+          <a:p>
+            <a:r>
+              <a:rPr lang="fr-FR" dirty="0"/>
+              <a:t>La gestion des connexions et des statistiques : Etienne</a:t>
+            </a:r>
+          </a:p>
+          <a:p>
+            <a:r>
+              <a:rPr lang="fr-FR" dirty="0"/>
               <a:t>La bataille navale : Alexandre</a:t>
             </a:r>
           </a:p>
           <a:p>
             <a:r>
-              <a:rPr lang="fr-FR" dirty="0" smtClean="0"/>
-              <a:t>Le </a:t>
-            </a:r>
-            <a:r>
-              <a:rPr lang="fr-FR" dirty="0" smtClean="0"/>
-              <a:t>jeu du pendu </a:t>
-            </a:r>
-            <a:r>
-              <a:rPr lang="fr-FR" dirty="0" smtClean="0"/>
-              <a:t>: Auriane</a:t>
+              <a:rPr lang="fr-FR" dirty="0"/>
+              <a:t>Le jeu du pendu : Auriane</a:t>
             </a:r>
           </a:p>
           <a:p>
             <a:pPr marL="0" indent="0">
               <a:buNone/>
             </a:pPr>
-            <a:endParaRPr lang="fr-FR" dirty="0" smtClean="0"/>
+            <a:endParaRPr lang="fr-FR" dirty="0"/>
           </a:p>
         </p:txBody>
       </p:sp>
@@ -11645,13 +11411,8 @@
           <a:p>
             <a:r>
               <a:rPr lang="fr-FR" dirty="0"/>
-              <a:t>ABDO Alexandre – CHELLE Auriane – DEUX </a:t>
-            </a:r>
-            <a:r>
-              <a:rPr lang="fr-FR" dirty="0" smtClean="0"/>
-              <a:t>Etienne</a:t>
-            </a:r>
-            <a:endParaRPr lang="fr-FR" dirty="0"/>
+              <a:t>ABDO Alexandre – CHELLE Auriane – DEUX Etienne</a:t>
+            </a:r>
           </a:p>
         </p:txBody>
       </p:sp>
@@ -11693,13 +11454,6 @@
   <p:transition>
     <p:fade/>
   </p:transition>
-  <p:timing>
-    <p:tnLst>
-      <p:par>
-        <p:cTn id="1" dur="indefinite" restart="never" nodeType="tmRoot"/>
-      </p:par>
-    </p:tnLst>
-  </p:timing>
 </p:sld>
 </file>
 
@@ -11736,10 +11490,9 @@
           <a:lstStyle/>
           <a:p>
             <a:r>
-              <a:rPr lang="fr-FR" dirty="0" smtClean="0"/>
+              <a:rPr lang="fr-FR" dirty="0"/>
               <a:t>Démonstration</a:t>
             </a:r>
-            <a:endParaRPr lang="fr-FR" dirty="0"/>
           </a:p>
         </p:txBody>
       </p:sp>
@@ -11759,10 +11512,9 @@
           <a:lstStyle/>
           <a:p>
             <a:r>
-              <a:rPr lang="fr-FR" dirty="0" smtClean="0"/>
+              <a:rPr lang="fr-FR" dirty="0"/>
               <a:t>La boite de jeux</a:t>
             </a:r>
-            <a:endParaRPr lang="fr-FR" dirty="0"/>
           </a:p>
         </p:txBody>
       </p:sp>
@@ -11788,13 +11540,8 @@
           <a:p>
             <a:r>
               <a:rPr lang="fr-FR" dirty="0"/>
-              <a:t>ABDO Alexandre – CHELLE Auriane – DEUX </a:t>
-            </a:r>
-            <a:r>
-              <a:rPr lang="fr-FR" dirty="0" smtClean="0"/>
-              <a:t>Etienne</a:t>
-            </a:r>
-            <a:endParaRPr lang="fr-FR" dirty="0"/>
+              <a:t>ABDO Alexandre – CHELLE Auriane – DEUX Etienne</a:t>
+            </a:r>
           </a:p>
         </p:txBody>
       </p:sp>
@@ -11836,13 +11583,6 @@
   <p:transition>
     <p:fade/>
   </p:transition>
-  <p:timing>
-    <p:tnLst>
-      <p:par>
-        <p:cTn id="1" dur="indefinite" restart="never" nodeType="tmRoot"/>
-      </p:par>
-    </p:tnLst>
-  </p:timing>
 </p:sld>
 </file>
 
@@ -11880,13 +11620,8 @@
           <a:p>
             <a:r>
               <a:rPr lang="fr-FR" dirty="0"/>
-              <a:t>Approche </a:t>
-            </a:r>
-            <a:r>
-              <a:rPr lang="fr-FR" dirty="0" smtClean="0"/>
-              <a:t>technique</a:t>
-            </a:r>
-            <a:endParaRPr lang="fr-FR" dirty="0"/>
+              <a:t>Approche technique</a:t>
+            </a:r>
           </a:p>
         </p:txBody>
       </p:sp>
@@ -11906,10 +11641,9 @@
           <a:lstStyle/>
           <a:p>
             <a:r>
-              <a:rPr lang="fr-FR" dirty="0" smtClean="0"/>
+              <a:rPr lang="fr-FR" dirty="0"/>
               <a:t>Connexion et statistiques</a:t>
             </a:r>
-            <a:endParaRPr lang="fr-FR" dirty="0"/>
           </a:p>
         </p:txBody>
       </p:sp>
@@ -11930,13 +11664,8 @@
           <a:p>
             <a:r>
               <a:rPr lang="fr-FR" dirty="0"/>
-              <a:t>ABDO Alexandre – CHELLE Auriane – DEUX </a:t>
-            </a:r>
-            <a:r>
-              <a:rPr lang="fr-FR" dirty="0" smtClean="0"/>
-              <a:t>Etienne</a:t>
-            </a:r>
-            <a:endParaRPr lang="fr-FR" dirty="0"/>
+              <a:t>ABDO Alexandre – CHELLE Auriane – DEUX Etienne</a:t>
+            </a:r>
           </a:p>
         </p:txBody>
       </p:sp>
@@ -12001,13 +11730,6 @@
   <p:transition>
     <p:fade/>
   </p:transition>
-  <p:timing>
-    <p:tnLst>
-      <p:par>
-        <p:cTn id="1" dur="indefinite" restart="never" nodeType="tmRoot"/>
-      </p:par>
-    </p:tnLst>
-  </p:timing>
 </p:sld>
 </file>
 
@@ -12045,13 +11767,8 @@
           <a:p>
             <a:r>
               <a:rPr lang="fr-FR" dirty="0"/>
-              <a:t>Approche </a:t>
-            </a:r>
-            <a:r>
-              <a:rPr lang="fr-FR" dirty="0" smtClean="0"/>
-              <a:t>technique</a:t>
-            </a:r>
-            <a:endParaRPr lang="fr-FR" dirty="0"/>
+              <a:t>Approche technique</a:t>
+            </a:r>
           </a:p>
         </p:txBody>
       </p:sp>
@@ -12071,10 +11788,9 @@
           <a:lstStyle/>
           <a:p>
             <a:r>
-              <a:rPr lang="fr-FR" dirty="0" smtClean="0"/>
+              <a:rPr lang="fr-FR" dirty="0"/>
               <a:t>Connexion et statistiques</a:t>
             </a:r>
-            <a:endParaRPr lang="fr-FR" dirty="0"/>
           </a:p>
         </p:txBody>
       </p:sp>
@@ -12095,13 +11811,8 @@
           <a:p>
             <a:r>
               <a:rPr lang="fr-FR" dirty="0"/>
-              <a:t>ABDO Alexandre – CHELLE Auriane – DEUX </a:t>
-            </a:r>
-            <a:r>
-              <a:rPr lang="fr-FR" dirty="0" smtClean="0"/>
-              <a:t>Etienne</a:t>
-            </a:r>
-            <a:endParaRPr lang="fr-FR" dirty="0"/>
+              <a:t>ABDO Alexandre – CHELLE Auriane – DEUX Etienne</a:t>
+            </a:r>
           </a:p>
         </p:txBody>
       </p:sp>
@@ -12167,10 +11878,9 @@
           <a:p>
             <a:pPr algn="ctr"/>
             <a:r>
-              <a:rPr lang="fr-FR" sz="2800" dirty="0" smtClean="0"/>
+              <a:rPr lang="fr-FR" sz="2800" dirty="0"/>
               <a:t>Main</a:t>
             </a:r>
-            <a:endParaRPr lang="fr-FR" sz="2800" dirty="0"/>
           </a:p>
         </p:txBody>
       </p:sp>
@@ -12219,10 +11929,9 @@
           <a:p>
             <a:pPr algn="ctr"/>
             <a:r>
-              <a:rPr lang="fr-FR" dirty="0" smtClean="0"/>
+              <a:rPr lang="fr-FR" dirty="0"/>
               <a:t>Inscription Panel</a:t>
             </a:r>
-            <a:endParaRPr lang="fr-FR" dirty="0"/>
           </a:p>
         </p:txBody>
       </p:sp>
@@ -12271,10 +11980,9 @@
           <a:p>
             <a:pPr algn="ctr"/>
             <a:r>
-              <a:rPr lang="fr-FR" dirty="0" smtClean="0"/>
+              <a:rPr lang="fr-FR" dirty="0"/>
               <a:t>Connexion Panel</a:t>
             </a:r>
-            <a:endParaRPr lang="fr-FR" dirty="0"/>
           </a:p>
         </p:txBody>
       </p:sp>
@@ -12323,10 +12031,9 @@
           <a:p>
             <a:pPr algn="ctr"/>
             <a:r>
-              <a:rPr lang="fr-FR" dirty="0" smtClean="0"/>
+              <a:rPr lang="fr-FR" dirty="0"/>
               <a:t>Choix Jeu Panel</a:t>
             </a:r>
-            <a:endParaRPr lang="fr-FR" dirty="0"/>
           </a:p>
         </p:txBody>
       </p:sp>
@@ -12375,10 +12082,9 @@
           <a:p>
             <a:pPr algn="ctr"/>
             <a:r>
-              <a:rPr lang="fr-FR" dirty="0" smtClean="0"/>
+              <a:rPr lang="fr-FR" dirty="0"/>
               <a:t>Info Jeu Panel</a:t>
             </a:r>
-            <a:endParaRPr lang="fr-FR" dirty="0"/>
           </a:p>
         </p:txBody>
       </p:sp>
@@ -12427,10 +12133,9 @@
           <a:p>
             <a:pPr algn="ctr"/>
             <a:r>
-              <a:rPr lang="fr-FR" dirty="0" smtClean="0"/>
+              <a:rPr lang="fr-FR" dirty="0"/>
               <a:t>Jeu Panel</a:t>
             </a:r>
-            <a:endParaRPr lang="fr-FR" dirty="0"/>
           </a:p>
         </p:txBody>
       </p:sp>
@@ -12479,22 +12184,17 @@
           <a:p>
             <a:pPr algn="ctr"/>
             <a:r>
-              <a:rPr lang="fr-FR" dirty="0" smtClean="0"/>
+              <a:rPr lang="fr-FR" dirty="0"/>
               <a:t>Changer </a:t>
             </a:r>
             <a:r>
               <a:rPr lang="fr-FR" dirty="0" err="1"/>
-              <a:t>M</a:t>
-            </a:r>
-            <a:r>
-              <a:rPr lang="fr-FR" dirty="0" err="1" smtClean="0"/>
-              <a:t>dp</a:t>
-            </a:r>
-            <a:r>
-              <a:rPr lang="fr-FR" dirty="0" smtClean="0"/>
+              <a:t>Mdp</a:t>
+            </a:r>
+            <a:r>
+              <a:rPr lang="fr-FR" dirty="0"/>
               <a:t> Panel</a:t>
             </a:r>
-            <a:endParaRPr lang="fr-FR" dirty="0"/>
           </a:p>
         </p:txBody>
       </p:sp>
@@ -12543,10 +12243,9 @@
           <a:p>
             <a:pPr algn="ctr"/>
             <a:r>
-              <a:rPr lang="fr-FR" dirty="0" smtClean="0"/>
+              <a:rPr lang="fr-FR" dirty="0"/>
               <a:t> Admin Panel</a:t>
             </a:r>
-            <a:endParaRPr lang="fr-FR" dirty="0"/>
           </a:p>
         </p:txBody>
       </p:sp>
@@ -12822,13 +12521,6 @@
   <p:transition>
     <p:fade/>
   </p:transition>
-  <p:timing>
-    <p:tnLst>
-      <p:par>
-        <p:cTn id="1" dur="indefinite" restart="never" nodeType="tmRoot"/>
-      </p:par>
-    </p:tnLst>
-  </p:timing>
 </p:sld>
 </file>
 
@@ -12866,13 +12558,8 @@
           <a:p>
             <a:r>
               <a:rPr lang="fr-FR" dirty="0"/>
-              <a:t>Approche </a:t>
-            </a:r>
-            <a:r>
-              <a:rPr lang="fr-FR" dirty="0" smtClean="0"/>
-              <a:t>technique</a:t>
-            </a:r>
-            <a:endParaRPr lang="fr-FR" dirty="0"/>
+              <a:t>Approche technique</a:t>
+            </a:r>
           </a:p>
         </p:txBody>
       </p:sp>
@@ -12892,41 +12579,37 @@
           <a:lstStyle/>
           <a:p>
             <a:r>
-              <a:rPr lang="fr-FR" dirty="0" smtClean="0"/>
-              <a:t>Bataille </a:t>
-            </a:r>
-            <a:r>
-              <a:rPr lang="fr-FR" dirty="0" smtClean="0"/>
-              <a:t>navale</a:t>
+              <a:rPr lang="fr-FR" dirty="0"/>
+              <a:t>Bataille navale</a:t>
             </a:r>
           </a:p>
           <a:p>
             <a:pPr lvl="1"/>
             <a:r>
-              <a:rPr lang="fr-FR" dirty="0" err="1" smtClean="0"/>
+              <a:rPr lang="fr-FR" dirty="0" err="1"/>
               <a:t>CaseBN</a:t>
             </a:r>
-            <a:endParaRPr lang="fr-FR" dirty="0" smtClean="0"/>
+            <a:endParaRPr lang="fr-FR" dirty="0"/>
           </a:p>
           <a:p>
             <a:pPr lvl="1"/>
             <a:r>
-              <a:rPr lang="fr-FR" dirty="0" smtClean="0"/>
+              <a:rPr lang="fr-FR" dirty="0"/>
               <a:t>Bateaux</a:t>
             </a:r>
           </a:p>
           <a:p>
             <a:pPr lvl="1"/>
             <a:r>
-              <a:rPr lang="fr-FR" dirty="0" err="1" smtClean="0"/>
+              <a:rPr lang="fr-FR" dirty="0" err="1"/>
               <a:t>GrilleBN</a:t>
             </a:r>
-            <a:endParaRPr lang="fr-FR" dirty="0" smtClean="0"/>
+            <a:endParaRPr lang="fr-FR" dirty="0"/>
           </a:p>
           <a:p>
             <a:pPr lvl="1"/>
             <a:r>
-              <a:rPr lang="fr-FR" dirty="0" smtClean="0"/>
+              <a:rPr lang="fr-FR" dirty="0"/>
               <a:t>BNIA</a:t>
             </a:r>
           </a:p>
@@ -12953,13 +12636,8 @@
           <a:p>
             <a:r>
               <a:rPr lang="fr-FR" dirty="0"/>
-              <a:t>ABDO Alexandre – CHELLE Auriane – DEUX </a:t>
-            </a:r>
-            <a:r>
-              <a:rPr lang="fr-FR" dirty="0" smtClean="0"/>
-              <a:t>Etienne</a:t>
-            </a:r>
-            <a:endParaRPr lang="fr-FR" dirty="0"/>
+              <a:t>ABDO Alexandre – CHELLE Auriane – DEUX Etienne</a:t>
+            </a:r>
           </a:p>
         </p:txBody>
       </p:sp>
@@ -13024,13 +12702,6 @@
   <p:transition>
     <p:fade/>
   </p:transition>
-  <p:timing>
-    <p:tnLst>
-      <p:par>
-        <p:cTn id="1" dur="indefinite" restart="never" nodeType="tmRoot"/>
-      </p:par>
-    </p:tnLst>
-  </p:timing>
 </p:sld>
 </file>
 
@@ -13067,10 +12738,9 @@
           <a:lstStyle/>
           <a:p>
             <a:r>
-              <a:rPr lang="fr-FR" dirty="0" smtClean="0"/>
+              <a:rPr lang="fr-FR" dirty="0"/>
               <a:t>Approche technique</a:t>
             </a:r>
-            <a:endParaRPr lang="fr-FR" dirty="0"/>
           </a:p>
         </p:txBody>
       </p:sp>
@@ -13090,55 +12760,55 @@
           <a:lstStyle/>
           <a:p>
             <a:r>
-              <a:rPr lang="fr-FR" dirty="0" smtClean="0"/>
+              <a:rPr lang="fr-FR" dirty="0"/>
               <a:t>Bataille navale</a:t>
             </a:r>
           </a:p>
           <a:p>
             <a:pPr lvl="1"/>
             <a:r>
-              <a:rPr lang="fr-FR" dirty="0" smtClean="0"/>
+              <a:rPr lang="fr-FR" dirty="0"/>
               <a:t>Les </a:t>
             </a:r>
             <a:r>
-              <a:rPr lang="fr-FR" dirty="0" err="1" smtClean="0"/>
+              <a:rPr lang="fr-FR" dirty="0" err="1"/>
               <a:t>CaseBN</a:t>
             </a:r>
-            <a:endParaRPr lang="fr-FR" dirty="0" smtClean="0"/>
+            <a:endParaRPr lang="fr-FR" dirty="0"/>
           </a:p>
           <a:p>
             <a:pPr lvl="2"/>
             <a:r>
-              <a:rPr lang="fr-FR" dirty="0" err="1" smtClean="0"/>
+              <a:rPr lang="fr-FR" dirty="0" err="1"/>
               <a:t>TypeCase</a:t>
             </a:r>
-            <a:endParaRPr lang="fr-FR" dirty="0" smtClean="0"/>
+            <a:endParaRPr lang="fr-FR" dirty="0"/>
           </a:p>
           <a:p>
             <a:pPr lvl="3"/>
             <a:r>
-              <a:rPr lang="fr-FR" dirty="0" smtClean="0"/>
+              <a:rPr lang="fr-FR" dirty="0"/>
               <a:t>Vierge</a:t>
             </a:r>
           </a:p>
           <a:p>
             <a:pPr lvl="3"/>
             <a:r>
-              <a:rPr lang="fr-FR" dirty="0" smtClean="0"/>
+              <a:rPr lang="fr-FR" dirty="0"/>
               <a:t>Bateau</a:t>
             </a:r>
           </a:p>
           <a:p>
             <a:pPr lvl="3"/>
             <a:r>
-              <a:rPr lang="fr-FR" dirty="0" smtClean="0"/>
+              <a:rPr lang="fr-FR" dirty="0"/>
               <a:t>Touche</a:t>
             </a:r>
           </a:p>
           <a:p>
             <a:pPr lvl="3"/>
             <a:r>
-              <a:rPr lang="fr-FR" dirty="0" err="1" smtClean="0"/>
+              <a:rPr lang="fr-FR" dirty="0" err="1"/>
               <a:t>ToucheVierge</a:t>
             </a:r>
             <a:endParaRPr lang="fr-FR" dirty="0"/>
@@ -13146,7 +12816,7 @@
           <a:p>
             <a:pPr lvl="2"/>
             <a:r>
-              <a:rPr lang="fr-FR" dirty="0" smtClean="0"/>
+              <a:rPr lang="fr-FR" dirty="0"/>
               <a:t>Position</a:t>
             </a:r>
           </a:p>
@@ -13169,13 +12839,8 @@
           <a:p>
             <a:r>
               <a:rPr lang="fr-FR" dirty="0"/>
-              <a:t>ABDO Alexandre – CHELLE Auriane – DEUX </a:t>
-            </a:r>
-            <a:r>
-              <a:rPr lang="fr-FR" dirty="0" smtClean="0"/>
-              <a:t>Etienne</a:t>
-            </a:r>
-            <a:endParaRPr lang="fr-FR" dirty="0"/>
+              <a:t>ABDO Alexandre – CHELLE Auriane – DEUX Etienne</a:t>
+            </a:r>
           </a:p>
         </p:txBody>
       </p:sp>
@@ -13241,10 +12906,10 @@
           <a:p>
             <a:pPr algn="ctr"/>
             <a:r>
-              <a:rPr lang="fr-FR" sz="2800" dirty="0" err="1" smtClean="0"/>
+              <a:rPr lang="fr-FR" sz="2800" dirty="0" err="1"/>
               <a:t>CaseBN</a:t>
             </a:r>
-            <a:endParaRPr lang="fr-FR" sz="2800" dirty="0" smtClean="0"/>
+            <a:endParaRPr lang="fr-FR" sz="2800" dirty="0"/>
           </a:p>
         </p:txBody>
       </p:sp>
@@ -13293,7 +12958,7 @@
           <a:p>
             <a:pPr algn="ctr"/>
             <a:r>
-              <a:rPr lang="fr-FR" sz="2800" dirty="0" err="1" smtClean="0"/>
+              <a:rPr lang="fr-FR" sz="2800" dirty="0" err="1"/>
               <a:t>TypeCase</a:t>
             </a:r>
             <a:endParaRPr lang="fr-FR" sz="2800" dirty="0"/>
@@ -13381,7 +13046,7 @@
           <a:p>
             <a:pPr algn="ctr"/>
             <a:r>
-              <a:rPr lang="fr-FR" sz="2800" dirty="0" smtClean="0">
+              <a:rPr lang="fr-FR" sz="2800" dirty="0">
                 <a:ln>
                   <a:solidFill>
                     <a:srgbClr val="993300"/>
@@ -13394,7 +13059,7 @@
           <a:p>
             <a:pPr algn="ctr"/>
             <a:r>
-              <a:rPr lang="fr-FR" sz="2800" dirty="0" smtClean="0">
+              <a:rPr lang="fr-FR" sz="2800" dirty="0">
                 <a:ln>
                   <a:solidFill>
                     <a:srgbClr val="993300"/>
@@ -13404,7 +13069,7 @@
               <a:t>(</a:t>
             </a:r>
             <a:r>
-              <a:rPr lang="fr-FR" sz="2800" dirty="0" err="1" smtClean="0">
+              <a:rPr lang="fr-FR" sz="2800" dirty="0" err="1">
                 <a:ln>
                   <a:solidFill>
                     <a:srgbClr val="993300"/>
@@ -13414,7 +13079,7 @@
               <a:t>x,y</a:t>
             </a:r>
             <a:r>
-              <a:rPr lang="fr-FR" sz="2800" dirty="0" smtClean="0">
+              <a:rPr lang="fr-FR" sz="2800" dirty="0">
                 <a:ln>
                   <a:solidFill>
                     <a:srgbClr val="993300"/>
@@ -13423,13 +13088,6 @@
               </a:rPr>
               <a:t>)</a:t>
             </a:r>
-            <a:endParaRPr lang="fr-FR" sz="2800" dirty="0">
-              <a:ln>
-                <a:solidFill>
-                  <a:srgbClr val="993300"/>
-                </a:solidFill>
-              </a:ln>
-            </a:endParaRPr>
           </a:p>
         </p:txBody>
       </p:sp>
@@ -13484,13 +13142,6 @@
   <p:transition>
     <p:fade/>
   </p:transition>
-  <p:timing>
-    <p:tnLst>
-      <p:par>
-        <p:cTn id="1" dur="indefinite" restart="never" nodeType="tmRoot"/>
-      </p:par>
-    </p:tnLst>
-  </p:timing>
 </p:sld>
 </file>
 
@@ -14445,139 +14096,12 @@
 </file>
 
 <file path=customXml/item1.xml><?xml version="1.0" encoding="utf-8"?>
-<p:properties xmlns:p="http://schemas.microsoft.com/office/2006/metadata/properties" xmlns:xsi="http://www.w3.org/2001/XMLSchema-instance" xmlns:pc="http://schemas.microsoft.com/office/infopath/2007/PartnerControls">
-  <documentManagement>
-    <LocPublishedLinkedAssetsLookup xmlns="4873beb7-5857-4685-be1f-d57550cc96cc" xsi:nil="true"/>
-    <ApprovalStatus xmlns="4873beb7-5857-4685-be1f-d57550cc96cc">InProgress</ApprovalStatus>
-    <MarketSpecific xmlns="4873beb7-5857-4685-be1f-d57550cc96cc">false</MarketSpecific>
-    <LocComments xmlns="4873beb7-5857-4685-be1f-d57550cc96cc" xsi:nil="true"/>
-    <LocLastLocAttemptVersionTypeLookup xmlns="4873beb7-5857-4685-be1f-d57550cc96cc" xsi:nil="true"/>
-    <DirectSourceMarket xmlns="4873beb7-5857-4685-be1f-d57550cc96cc" xsi:nil="true"/>
-    <ThumbnailAssetId xmlns="4873beb7-5857-4685-be1f-d57550cc96cc" xsi:nil="true"/>
-    <PrimaryImageGen xmlns="4873beb7-5857-4685-be1f-d57550cc96cc">false</PrimaryImageGen>
-    <LocNewPublishedVersionLookup xmlns="4873beb7-5857-4685-be1f-d57550cc96cc" xsi:nil="true"/>
-    <LegacyData xmlns="4873beb7-5857-4685-be1f-d57550cc96cc" xsi:nil="true"/>
-    <LocRecommendedHandoff xmlns="4873beb7-5857-4685-be1f-d57550cc96cc" xsi:nil="true"/>
-    <BusinessGroup xmlns="4873beb7-5857-4685-be1f-d57550cc96cc" xsi:nil="true"/>
-    <BlockPublish xmlns="4873beb7-5857-4685-be1f-d57550cc96cc">false</BlockPublish>
-    <TPFriendlyName xmlns="4873beb7-5857-4685-be1f-d57550cc96cc" xsi:nil="true"/>
-    <LocOverallPublishStatusLookup xmlns="4873beb7-5857-4685-be1f-d57550cc96cc" xsi:nil="true"/>
-    <NumericId xmlns="4873beb7-5857-4685-be1f-d57550cc96cc" xsi:nil="true"/>
-    <APEditor xmlns="4873beb7-5857-4685-be1f-d57550cc96cc">
-      <UserInfo>
-        <DisplayName/>
-        <AccountId xsi:nil="true"/>
-        <AccountType/>
-      </UserInfo>
-    </APEditor>
-    <SourceTitle xmlns="4873beb7-5857-4685-be1f-d57550cc96cc" xsi:nil="true"/>
-    <OpenTemplate xmlns="4873beb7-5857-4685-be1f-d57550cc96cc">true</OpenTemplate>
-    <LocOverallLocStatusLookup xmlns="4873beb7-5857-4685-be1f-d57550cc96cc" xsi:nil="true"/>
-    <UALocComments xmlns="4873beb7-5857-4685-be1f-d57550cc96cc" xsi:nil="true"/>
-    <ParentAssetId xmlns="4873beb7-5857-4685-be1f-d57550cc96cc" xsi:nil="true"/>
-    <IntlLangReviewDate xmlns="4873beb7-5857-4685-be1f-d57550cc96cc" xsi:nil="true"/>
-    <FeatureTagsTaxHTField0 xmlns="4873beb7-5857-4685-be1f-d57550cc96cc">
-      <Terms xmlns="http://schemas.microsoft.com/office/infopath/2007/PartnerControls"/>
-    </FeatureTagsTaxHTField0>
-    <PublishStatusLookup xmlns="4873beb7-5857-4685-be1f-d57550cc96cc">
-      <Value>1345093</Value>
-    </PublishStatusLookup>
-    <Providers xmlns="4873beb7-5857-4685-be1f-d57550cc96cc" xsi:nil="true"/>
-    <MachineTranslated xmlns="4873beb7-5857-4685-be1f-d57550cc96cc">false</MachineTranslated>
-    <OriginalSourceMarket xmlns="4873beb7-5857-4685-be1f-d57550cc96cc" xsi:nil="true"/>
-    <APDescription xmlns="4873beb7-5857-4685-be1f-d57550cc96cc">This simple template design works for technology and  businesses, but it's versatile enough to use in other contexts.  It features multiple slide layouts designed for widescreen (16x9 resolution) and includes a sample SmartArt list and chart that are easily editable.</APDescription>
-    <ClipArtFilename xmlns="4873beb7-5857-4685-be1f-d57550cc96cc" xsi:nil="true"/>
-    <ContentItem xmlns="4873beb7-5857-4685-be1f-d57550cc96cc" xsi:nil="true"/>
-    <TPInstallLocation xmlns="4873beb7-5857-4685-be1f-d57550cc96cc" xsi:nil="true"/>
-    <PublishTargets xmlns="4873beb7-5857-4685-be1f-d57550cc96cc">OfficeOnlineVNext</PublishTargets>
-    <TimesCloned xmlns="4873beb7-5857-4685-be1f-d57550cc96cc" xsi:nil="true"/>
-    <AssetStart xmlns="4873beb7-5857-4685-be1f-d57550cc96cc">2011-11-26T00:30:00+00:00</AssetStart>
-    <Provider xmlns="4873beb7-5857-4685-be1f-d57550cc96cc" xsi:nil="true"/>
-    <AcquiredFrom xmlns="4873beb7-5857-4685-be1f-d57550cc96cc">Internal MS</AcquiredFrom>
-    <FriendlyTitle xmlns="4873beb7-5857-4685-be1f-d57550cc96cc" xsi:nil="true"/>
-    <LastHandOff xmlns="4873beb7-5857-4685-be1f-d57550cc96cc" xsi:nil="true"/>
-    <TPClientViewer xmlns="4873beb7-5857-4685-be1f-d57550cc96cc" xsi:nil="true"/>
-    <TemplateStatus xmlns="4873beb7-5857-4685-be1f-d57550cc96cc">Complete</TemplateStatus>
-    <Downloads xmlns="4873beb7-5857-4685-be1f-d57550cc96cc">0</Downloads>
-    <OOCacheId xmlns="4873beb7-5857-4685-be1f-d57550cc96cc" xsi:nil="true"/>
-    <IsDeleted xmlns="4873beb7-5857-4685-be1f-d57550cc96cc">false</IsDeleted>
-    <LocPublishedDependentAssetsLookup xmlns="4873beb7-5857-4685-be1f-d57550cc96cc" xsi:nil="true"/>
-    <TPExecutable xmlns="4873beb7-5857-4685-be1f-d57550cc96cc" xsi:nil="true"/>
-    <EditorialTags xmlns="4873beb7-5857-4685-be1f-d57550cc96cc" xsi:nil="true"/>
-    <SubmitterId xmlns="4873beb7-5857-4685-be1f-d57550cc96cc" xsi:nil="true"/>
-    <ApprovalLog xmlns="4873beb7-5857-4685-be1f-d57550cc96cc" xsi:nil="true"/>
-    <AssetType xmlns="4873beb7-5857-4685-be1f-d57550cc96cc">TP</AssetType>
-    <BugNumber xmlns="4873beb7-5857-4685-be1f-d57550cc96cc" xsi:nil="true"/>
-    <CSXSubmissionDate xmlns="4873beb7-5857-4685-be1f-d57550cc96cc" xsi:nil="true"/>
-    <CSXUpdate xmlns="4873beb7-5857-4685-be1f-d57550cc96cc">false</CSXUpdate>
-    <Milestone xmlns="4873beb7-5857-4685-be1f-d57550cc96cc" xsi:nil="true"/>
-    <RecommendationsModifier xmlns="4873beb7-5857-4685-be1f-d57550cc96cc" xsi:nil="true"/>
-    <OriginAsset xmlns="4873beb7-5857-4685-be1f-d57550cc96cc" xsi:nil="true"/>
-    <TPComponent xmlns="4873beb7-5857-4685-be1f-d57550cc96cc" xsi:nil="true"/>
-    <AssetId xmlns="4873beb7-5857-4685-be1f-d57550cc96cc">TP102787989</AssetId>
-    <IntlLocPriority xmlns="4873beb7-5857-4685-be1f-d57550cc96cc" xsi:nil="true"/>
-    <PolicheckWords xmlns="4873beb7-5857-4685-be1f-d57550cc96cc" xsi:nil="true"/>
-    <TPLaunchHelpLink xmlns="4873beb7-5857-4685-be1f-d57550cc96cc" xsi:nil="true"/>
-    <TPApplication xmlns="4873beb7-5857-4685-be1f-d57550cc96cc" xsi:nil="true"/>
-    <CrawlForDependencies xmlns="4873beb7-5857-4685-be1f-d57550cc96cc">false</CrawlForDependencies>
-    <HandoffToMSDN xmlns="4873beb7-5857-4685-be1f-d57550cc96cc" xsi:nil="true"/>
-    <PlannedPubDate xmlns="4873beb7-5857-4685-be1f-d57550cc96cc" xsi:nil="true"/>
-    <IntlLangReviewer xmlns="4873beb7-5857-4685-be1f-d57550cc96cc" xsi:nil="true"/>
-    <TrustLevel xmlns="4873beb7-5857-4685-be1f-d57550cc96cc">1 Microsoft Managed Content</TrustLevel>
-    <LocLastLocAttemptVersionLookup xmlns="4873beb7-5857-4685-be1f-d57550cc96cc">694266</LocLastLocAttemptVersionLookup>
-    <LocProcessedForHandoffsLookup xmlns="4873beb7-5857-4685-be1f-d57550cc96cc" xsi:nil="true"/>
-    <IsSearchable xmlns="4873beb7-5857-4685-be1f-d57550cc96cc">true</IsSearchable>
-    <TemplateTemplateType xmlns="4873beb7-5857-4685-be1f-d57550cc96cc">PowerPoint Presentation Template</TemplateTemplateType>
-    <CampaignTagsTaxHTField0 xmlns="4873beb7-5857-4685-be1f-d57550cc96cc">
-      <Terms xmlns="http://schemas.microsoft.com/office/infopath/2007/PartnerControls"/>
-    </CampaignTagsTaxHTField0>
-    <TPNamespace xmlns="4873beb7-5857-4685-be1f-d57550cc96cc" xsi:nil="true"/>
-    <LocOverallPreviewStatusLookup xmlns="4873beb7-5857-4685-be1f-d57550cc96cc" xsi:nil="true"/>
-    <TaxCatchAll xmlns="4873beb7-5857-4685-be1f-d57550cc96cc"/>
-    <Markets xmlns="4873beb7-5857-4685-be1f-d57550cc96cc"/>
-    <UAProjectedTotalWords xmlns="4873beb7-5857-4685-be1f-d57550cc96cc" xsi:nil="true"/>
-    <IntlLangReview xmlns="4873beb7-5857-4685-be1f-d57550cc96cc" xsi:nil="true"/>
-    <OutputCachingOn xmlns="4873beb7-5857-4685-be1f-d57550cc96cc">false</OutputCachingOn>
-    <AverageRating xmlns="4873beb7-5857-4685-be1f-d57550cc96cc" xsi:nil="true"/>
-    <APAuthor xmlns="4873beb7-5857-4685-be1f-d57550cc96cc">
-      <UserInfo>
-        <DisplayName>REDMOND\kristaa</DisplayName>
-        <AccountId>136</AccountId>
-        <AccountType/>
-      </UserInfo>
-    </APAuthor>
-    <LocManualTestRequired xmlns="4873beb7-5857-4685-be1f-d57550cc96cc">false</LocManualTestRequired>
-    <TPCommandLine xmlns="4873beb7-5857-4685-be1f-d57550cc96cc" xsi:nil="true"/>
-    <TPAppVersion xmlns="4873beb7-5857-4685-be1f-d57550cc96cc" xsi:nil="true"/>
-    <EditorialStatus xmlns="4873beb7-5857-4685-be1f-d57550cc96cc">Complete</EditorialStatus>
-    <LastModifiedDateTime xmlns="4873beb7-5857-4685-be1f-d57550cc96cc" xsi:nil="true"/>
-    <ScenarioTagsTaxHTField0 xmlns="4873beb7-5857-4685-be1f-d57550cc96cc">
-      <Terms xmlns="http://schemas.microsoft.com/office/infopath/2007/PartnerControls"/>
-    </ScenarioTagsTaxHTField0>
-    <LocProcessedForMarketsLookup xmlns="4873beb7-5857-4685-be1f-d57550cc96cc" xsi:nil="true"/>
-    <TPLaunchHelpLinkType xmlns="4873beb7-5857-4685-be1f-d57550cc96cc">Template</TPLaunchHelpLinkType>
-    <OriginalRelease xmlns="4873beb7-5857-4685-be1f-d57550cc96cc">15</OriginalRelease>
-    <LocalizationTagsTaxHTField0 xmlns="4873beb7-5857-4685-be1f-d57550cc96cc">
-      <Terms xmlns="http://schemas.microsoft.com/office/infopath/2007/PartnerControls"/>
-    </LocalizationTagsTaxHTField0>
-    <UACurrentWords xmlns="4873beb7-5857-4685-be1f-d57550cc96cc" xsi:nil="true"/>
-    <ArtSampleDocs xmlns="4873beb7-5857-4685-be1f-d57550cc96cc" xsi:nil="true"/>
-    <UALocRecommendation xmlns="4873beb7-5857-4685-be1f-d57550cc96cc">Localize</UALocRecommendation>
-    <Manager xmlns="4873beb7-5857-4685-be1f-d57550cc96cc" xsi:nil="true"/>
-    <LocOverallHandbackStatusLookup xmlns="4873beb7-5857-4685-be1f-d57550cc96cc" xsi:nil="true"/>
-    <ShowIn xmlns="4873beb7-5857-4685-be1f-d57550cc96cc">Show everywhere</ShowIn>
-    <UANotes xmlns="4873beb7-5857-4685-be1f-d57550cc96cc" xsi:nil="true"/>
-    <InternalTagsTaxHTField0 xmlns="4873beb7-5857-4685-be1f-d57550cc96cc">
-      <Terms xmlns="http://schemas.microsoft.com/office/infopath/2007/PartnerControls"/>
-    </InternalTagsTaxHTField0>
-    <CSXHash xmlns="4873beb7-5857-4685-be1f-d57550cc96cc" xsi:nil="true"/>
-    <VoteCount xmlns="4873beb7-5857-4685-be1f-d57550cc96cc" xsi:nil="true"/>
-    <AssetExpire xmlns="4873beb7-5857-4685-be1f-d57550cc96cc">2029-05-12T07:00:00+00:00</AssetExpire>
-    <DSATActionTaken xmlns="4873beb7-5857-4685-be1f-d57550cc96cc" xsi:nil="true"/>
-    <CSXSubmissionMarket xmlns="4873beb7-5857-4685-be1f-d57550cc96cc" xsi:nil="true"/>
-    <LocMarketGroupTiers2 xmlns="4873beb7-5857-4685-be1f-d57550cc96cc" xsi:nil="true"/>
-  </documentManagement>
-</p:properties>
+<?mso-contentType ?>
+<FormTemplates xmlns="http://schemas.microsoft.com/sharepoint/v3/contenttype/forms">
+  <Display>DocumentLibraryForm</Display>
+  <Edit>AssetEditForm</Edit>
+  <New>DocumentLibraryForm</New>
+</FormTemplates>
 </file>
 
 <file path=customXml/item2.xml><?xml version="1.0" encoding="utf-8"?>
@@ -15621,26 +15145,145 @@
 </file>
 
 <file path=customXml/item3.xml><?xml version="1.0" encoding="utf-8"?>
-<?mso-contentType ?>
-<FormTemplates xmlns="http://schemas.microsoft.com/sharepoint/v3/contenttype/forms">
-  <Display>DocumentLibraryForm</Display>
-  <Edit>AssetEditForm</Edit>
-  <New>DocumentLibraryForm</New>
-</FormTemplates>
+<p:properties xmlns:p="http://schemas.microsoft.com/office/2006/metadata/properties" xmlns:xsi="http://www.w3.org/2001/XMLSchema-instance" xmlns:pc="http://schemas.microsoft.com/office/infopath/2007/PartnerControls">
+  <documentManagement>
+    <LocPublishedLinkedAssetsLookup xmlns="4873beb7-5857-4685-be1f-d57550cc96cc" xsi:nil="true"/>
+    <ApprovalStatus xmlns="4873beb7-5857-4685-be1f-d57550cc96cc">InProgress</ApprovalStatus>
+    <MarketSpecific xmlns="4873beb7-5857-4685-be1f-d57550cc96cc">false</MarketSpecific>
+    <LocComments xmlns="4873beb7-5857-4685-be1f-d57550cc96cc" xsi:nil="true"/>
+    <LocLastLocAttemptVersionTypeLookup xmlns="4873beb7-5857-4685-be1f-d57550cc96cc" xsi:nil="true"/>
+    <DirectSourceMarket xmlns="4873beb7-5857-4685-be1f-d57550cc96cc" xsi:nil="true"/>
+    <ThumbnailAssetId xmlns="4873beb7-5857-4685-be1f-d57550cc96cc" xsi:nil="true"/>
+    <PrimaryImageGen xmlns="4873beb7-5857-4685-be1f-d57550cc96cc">false</PrimaryImageGen>
+    <LocNewPublishedVersionLookup xmlns="4873beb7-5857-4685-be1f-d57550cc96cc" xsi:nil="true"/>
+    <LegacyData xmlns="4873beb7-5857-4685-be1f-d57550cc96cc" xsi:nil="true"/>
+    <LocRecommendedHandoff xmlns="4873beb7-5857-4685-be1f-d57550cc96cc" xsi:nil="true"/>
+    <BusinessGroup xmlns="4873beb7-5857-4685-be1f-d57550cc96cc" xsi:nil="true"/>
+    <BlockPublish xmlns="4873beb7-5857-4685-be1f-d57550cc96cc">false</BlockPublish>
+    <TPFriendlyName xmlns="4873beb7-5857-4685-be1f-d57550cc96cc" xsi:nil="true"/>
+    <LocOverallPublishStatusLookup xmlns="4873beb7-5857-4685-be1f-d57550cc96cc" xsi:nil="true"/>
+    <NumericId xmlns="4873beb7-5857-4685-be1f-d57550cc96cc" xsi:nil="true"/>
+    <APEditor xmlns="4873beb7-5857-4685-be1f-d57550cc96cc">
+      <UserInfo>
+        <DisplayName/>
+        <AccountId xsi:nil="true"/>
+        <AccountType/>
+      </UserInfo>
+    </APEditor>
+    <SourceTitle xmlns="4873beb7-5857-4685-be1f-d57550cc96cc" xsi:nil="true"/>
+    <OpenTemplate xmlns="4873beb7-5857-4685-be1f-d57550cc96cc">true</OpenTemplate>
+    <LocOverallLocStatusLookup xmlns="4873beb7-5857-4685-be1f-d57550cc96cc" xsi:nil="true"/>
+    <UALocComments xmlns="4873beb7-5857-4685-be1f-d57550cc96cc" xsi:nil="true"/>
+    <ParentAssetId xmlns="4873beb7-5857-4685-be1f-d57550cc96cc" xsi:nil="true"/>
+    <IntlLangReviewDate xmlns="4873beb7-5857-4685-be1f-d57550cc96cc" xsi:nil="true"/>
+    <FeatureTagsTaxHTField0 xmlns="4873beb7-5857-4685-be1f-d57550cc96cc">
+      <Terms xmlns="http://schemas.microsoft.com/office/infopath/2007/PartnerControls"/>
+    </FeatureTagsTaxHTField0>
+    <PublishStatusLookup xmlns="4873beb7-5857-4685-be1f-d57550cc96cc">
+      <Value>1345093</Value>
+    </PublishStatusLookup>
+    <Providers xmlns="4873beb7-5857-4685-be1f-d57550cc96cc" xsi:nil="true"/>
+    <MachineTranslated xmlns="4873beb7-5857-4685-be1f-d57550cc96cc">false</MachineTranslated>
+    <OriginalSourceMarket xmlns="4873beb7-5857-4685-be1f-d57550cc96cc" xsi:nil="true"/>
+    <APDescription xmlns="4873beb7-5857-4685-be1f-d57550cc96cc">This simple template design works for technology and  businesses, but it's versatile enough to use in other contexts.  It features multiple slide layouts designed for widescreen (16x9 resolution) and includes a sample SmartArt list and chart that are easily editable.</APDescription>
+    <ClipArtFilename xmlns="4873beb7-5857-4685-be1f-d57550cc96cc" xsi:nil="true"/>
+    <ContentItem xmlns="4873beb7-5857-4685-be1f-d57550cc96cc" xsi:nil="true"/>
+    <TPInstallLocation xmlns="4873beb7-5857-4685-be1f-d57550cc96cc" xsi:nil="true"/>
+    <PublishTargets xmlns="4873beb7-5857-4685-be1f-d57550cc96cc">OfficeOnlineVNext</PublishTargets>
+    <TimesCloned xmlns="4873beb7-5857-4685-be1f-d57550cc96cc" xsi:nil="true"/>
+    <AssetStart xmlns="4873beb7-5857-4685-be1f-d57550cc96cc">2011-11-26T00:30:00+00:00</AssetStart>
+    <Provider xmlns="4873beb7-5857-4685-be1f-d57550cc96cc" xsi:nil="true"/>
+    <AcquiredFrom xmlns="4873beb7-5857-4685-be1f-d57550cc96cc">Internal MS</AcquiredFrom>
+    <FriendlyTitle xmlns="4873beb7-5857-4685-be1f-d57550cc96cc" xsi:nil="true"/>
+    <LastHandOff xmlns="4873beb7-5857-4685-be1f-d57550cc96cc" xsi:nil="true"/>
+    <TPClientViewer xmlns="4873beb7-5857-4685-be1f-d57550cc96cc" xsi:nil="true"/>
+    <TemplateStatus xmlns="4873beb7-5857-4685-be1f-d57550cc96cc">Complete</TemplateStatus>
+    <Downloads xmlns="4873beb7-5857-4685-be1f-d57550cc96cc">0</Downloads>
+    <OOCacheId xmlns="4873beb7-5857-4685-be1f-d57550cc96cc" xsi:nil="true"/>
+    <IsDeleted xmlns="4873beb7-5857-4685-be1f-d57550cc96cc">false</IsDeleted>
+    <LocPublishedDependentAssetsLookup xmlns="4873beb7-5857-4685-be1f-d57550cc96cc" xsi:nil="true"/>
+    <TPExecutable xmlns="4873beb7-5857-4685-be1f-d57550cc96cc" xsi:nil="true"/>
+    <EditorialTags xmlns="4873beb7-5857-4685-be1f-d57550cc96cc" xsi:nil="true"/>
+    <SubmitterId xmlns="4873beb7-5857-4685-be1f-d57550cc96cc" xsi:nil="true"/>
+    <ApprovalLog xmlns="4873beb7-5857-4685-be1f-d57550cc96cc" xsi:nil="true"/>
+    <AssetType xmlns="4873beb7-5857-4685-be1f-d57550cc96cc">TP</AssetType>
+    <BugNumber xmlns="4873beb7-5857-4685-be1f-d57550cc96cc" xsi:nil="true"/>
+    <CSXSubmissionDate xmlns="4873beb7-5857-4685-be1f-d57550cc96cc" xsi:nil="true"/>
+    <CSXUpdate xmlns="4873beb7-5857-4685-be1f-d57550cc96cc">false</CSXUpdate>
+    <Milestone xmlns="4873beb7-5857-4685-be1f-d57550cc96cc" xsi:nil="true"/>
+    <RecommendationsModifier xmlns="4873beb7-5857-4685-be1f-d57550cc96cc" xsi:nil="true"/>
+    <OriginAsset xmlns="4873beb7-5857-4685-be1f-d57550cc96cc" xsi:nil="true"/>
+    <TPComponent xmlns="4873beb7-5857-4685-be1f-d57550cc96cc" xsi:nil="true"/>
+    <AssetId xmlns="4873beb7-5857-4685-be1f-d57550cc96cc">TP102787989</AssetId>
+    <IntlLocPriority xmlns="4873beb7-5857-4685-be1f-d57550cc96cc" xsi:nil="true"/>
+    <PolicheckWords xmlns="4873beb7-5857-4685-be1f-d57550cc96cc" xsi:nil="true"/>
+    <TPLaunchHelpLink xmlns="4873beb7-5857-4685-be1f-d57550cc96cc" xsi:nil="true"/>
+    <TPApplication xmlns="4873beb7-5857-4685-be1f-d57550cc96cc" xsi:nil="true"/>
+    <CrawlForDependencies xmlns="4873beb7-5857-4685-be1f-d57550cc96cc">false</CrawlForDependencies>
+    <HandoffToMSDN xmlns="4873beb7-5857-4685-be1f-d57550cc96cc" xsi:nil="true"/>
+    <PlannedPubDate xmlns="4873beb7-5857-4685-be1f-d57550cc96cc" xsi:nil="true"/>
+    <IntlLangReviewer xmlns="4873beb7-5857-4685-be1f-d57550cc96cc" xsi:nil="true"/>
+    <TrustLevel xmlns="4873beb7-5857-4685-be1f-d57550cc96cc">1 Microsoft Managed Content</TrustLevel>
+    <LocLastLocAttemptVersionLookup xmlns="4873beb7-5857-4685-be1f-d57550cc96cc">694266</LocLastLocAttemptVersionLookup>
+    <LocProcessedForHandoffsLookup xmlns="4873beb7-5857-4685-be1f-d57550cc96cc" xsi:nil="true"/>
+    <IsSearchable xmlns="4873beb7-5857-4685-be1f-d57550cc96cc">true</IsSearchable>
+    <TemplateTemplateType xmlns="4873beb7-5857-4685-be1f-d57550cc96cc">PowerPoint Presentation Template</TemplateTemplateType>
+    <CampaignTagsTaxHTField0 xmlns="4873beb7-5857-4685-be1f-d57550cc96cc">
+      <Terms xmlns="http://schemas.microsoft.com/office/infopath/2007/PartnerControls"/>
+    </CampaignTagsTaxHTField0>
+    <TPNamespace xmlns="4873beb7-5857-4685-be1f-d57550cc96cc" xsi:nil="true"/>
+    <LocOverallPreviewStatusLookup xmlns="4873beb7-5857-4685-be1f-d57550cc96cc" xsi:nil="true"/>
+    <TaxCatchAll xmlns="4873beb7-5857-4685-be1f-d57550cc96cc"/>
+    <Markets xmlns="4873beb7-5857-4685-be1f-d57550cc96cc"/>
+    <UAProjectedTotalWords xmlns="4873beb7-5857-4685-be1f-d57550cc96cc" xsi:nil="true"/>
+    <IntlLangReview xmlns="4873beb7-5857-4685-be1f-d57550cc96cc" xsi:nil="true"/>
+    <OutputCachingOn xmlns="4873beb7-5857-4685-be1f-d57550cc96cc">false</OutputCachingOn>
+    <AverageRating xmlns="4873beb7-5857-4685-be1f-d57550cc96cc" xsi:nil="true"/>
+    <APAuthor xmlns="4873beb7-5857-4685-be1f-d57550cc96cc">
+      <UserInfo>
+        <DisplayName>REDMOND\kristaa</DisplayName>
+        <AccountId>136</AccountId>
+        <AccountType/>
+      </UserInfo>
+    </APAuthor>
+    <LocManualTestRequired xmlns="4873beb7-5857-4685-be1f-d57550cc96cc">false</LocManualTestRequired>
+    <TPCommandLine xmlns="4873beb7-5857-4685-be1f-d57550cc96cc" xsi:nil="true"/>
+    <TPAppVersion xmlns="4873beb7-5857-4685-be1f-d57550cc96cc" xsi:nil="true"/>
+    <EditorialStatus xmlns="4873beb7-5857-4685-be1f-d57550cc96cc">Complete</EditorialStatus>
+    <LastModifiedDateTime xmlns="4873beb7-5857-4685-be1f-d57550cc96cc" xsi:nil="true"/>
+    <ScenarioTagsTaxHTField0 xmlns="4873beb7-5857-4685-be1f-d57550cc96cc">
+      <Terms xmlns="http://schemas.microsoft.com/office/infopath/2007/PartnerControls"/>
+    </ScenarioTagsTaxHTField0>
+    <LocProcessedForMarketsLookup xmlns="4873beb7-5857-4685-be1f-d57550cc96cc" xsi:nil="true"/>
+    <TPLaunchHelpLinkType xmlns="4873beb7-5857-4685-be1f-d57550cc96cc">Template</TPLaunchHelpLinkType>
+    <OriginalRelease xmlns="4873beb7-5857-4685-be1f-d57550cc96cc">15</OriginalRelease>
+    <LocalizationTagsTaxHTField0 xmlns="4873beb7-5857-4685-be1f-d57550cc96cc">
+      <Terms xmlns="http://schemas.microsoft.com/office/infopath/2007/PartnerControls"/>
+    </LocalizationTagsTaxHTField0>
+    <UACurrentWords xmlns="4873beb7-5857-4685-be1f-d57550cc96cc" xsi:nil="true"/>
+    <ArtSampleDocs xmlns="4873beb7-5857-4685-be1f-d57550cc96cc" xsi:nil="true"/>
+    <UALocRecommendation xmlns="4873beb7-5857-4685-be1f-d57550cc96cc">Localize</UALocRecommendation>
+    <Manager xmlns="4873beb7-5857-4685-be1f-d57550cc96cc" xsi:nil="true"/>
+    <LocOverallHandbackStatusLookup xmlns="4873beb7-5857-4685-be1f-d57550cc96cc" xsi:nil="true"/>
+    <ShowIn xmlns="4873beb7-5857-4685-be1f-d57550cc96cc">Show everywhere</ShowIn>
+    <UANotes xmlns="4873beb7-5857-4685-be1f-d57550cc96cc" xsi:nil="true"/>
+    <InternalTagsTaxHTField0 xmlns="4873beb7-5857-4685-be1f-d57550cc96cc">
+      <Terms xmlns="http://schemas.microsoft.com/office/infopath/2007/PartnerControls"/>
+    </InternalTagsTaxHTField0>
+    <CSXHash xmlns="4873beb7-5857-4685-be1f-d57550cc96cc" xsi:nil="true"/>
+    <VoteCount xmlns="4873beb7-5857-4685-be1f-d57550cc96cc" xsi:nil="true"/>
+    <AssetExpire xmlns="4873beb7-5857-4685-be1f-d57550cc96cc">2029-05-12T07:00:00+00:00</AssetExpire>
+    <DSATActionTaken xmlns="4873beb7-5857-4685-be1f-d57550cc96cc" xsi:nil="true"/>
+    <CSXSubmissionMarket xmlns="4873beb7-5857-4685-be1f-d57550cc96cc" xsi:nil="true"/>
+    <LocMarketGroupTiers2 xmlns="4873beb7-5857-4685-be1f-d57550cc96cc" xsi:nil="true"/>
+  </documentManagement>
+</p:properties>
 </file>
 
 <file path=customXml/itemProps1.xml><?xml version="1.0" encoding="utf-8"?>
-<ds:datastoreItem xmlns:ds="http://schemas.openxmlformats.org/officeDocument/2006/customXml" ds:itemID="{60C67BEE-D13F-4BD2-98A5-34D8A0977F68}">
+<ds:datastoreItem xmlns:ds="http://schemas.openxmlformats.org/officeDocument/2006/customXml" ds:itemID="{3836F65B-1B07-41EE-A0E8-BC6EF3855225}">
   <ds:schemaRefs>
-    <ds:schemaRef ds:uri="4873beb7-5857-4685-be1f-d57550cc96cc"/>
-    <ds:schemaRef ds:uri="http://schemas.openxmlformats.org/package/2006/metadata/core-properties"/>
-    <ds:schemaRef ds:uri="http://purl.org/dc/terms/"/>
-    <ds:schemaRef ds:uri="http://schemas.microsoft.com/office/2006/documentManagement/types"/>
-    <ds:schemaRef ds:uri="http://purl.org/dc/elements/1.1/"/>
-    <ds:schemaRef ds:uri="http://schemas.microsoft.com/office/2006/metadata/properties"/>
-    <ds:schemaRef ds:uri="http://schemas.microsoft.com/office/infopath/2007/PartnerControls"/>
-    <ds:schemaRef ds:uri="http://www.w3.org/XML/1998/namespace"/>
-    <ds:schemaRef ds:uri="http://purl.org/dc/dcmitype/"/>
+    <ds:schemaRef ds:uri="http://schemas.microsoft.com/sharepoint/v3/contenttype/forms"/>
   </ds:schemaRefs>
 </ds:datastoreItem>
 </file>
@@ -15664,9 +15307,17 @@
 </file>
 
 <file path=customXml/itemProps3.xml><?xml version="1.0" encoding="utf-8"?>
-<ds:datastoreItem xmlns:ds="http://schemas.openxmlformats.org/officeDocument/2006/customXml" ds:itemID="{3836F65B-1B07-41EE-A0E8-BC6EF3855225}">
+<ds:datastoreItem xmlns:ds="http://schemas.openxmlformats.org/officeDocument/2006/customXml" ds:itemID="{60C67BEE-D13F-4BD2-98A5-34D8A0977F68}">
   <ds:schemaRefs>
-    <ds:schemaRef ds:uri="http://schemas.microsoft.com/sharepoint/v3/contenttype/forms"/>
+    <ds:schemaRef ds:uri="4873beb7-5857-4685-be1f-d57550cc96cc"/>
+    <ds:schemaRef ds:uri="http://schemas.openxmlformats.org/package/2006/metadata/core-properties"/>
+    <ds:schemaRef ds:uri="http://purl.org/dc/terms/"/>
+    <ds:schemaRef ds:uri="http://schemas.microsoft.com/office/2006/documentManagement/types"/>
+    <ds:schemaRef ds:uri="http://purl.org/dc/elements/1.1/"/>
+    <ds:schemaRef ds:uri="http://schemas.microsoft.com/office/2006/metadata/properties"/>
+    <ds:schemaRef ds:uri="http://schemas.microsoft.com/office/infopath/2007/PartnerControls"/>
+    <ds:schemaRef ds:uri="http://www.w3.org/XML/1998/namespace"/>
+    <ds:schemaRef ds:uri="http://purl.org/dc/dcmitype/"/>
   </ds:schemaRefs>
 </ds:datastoreItem>
 </file>
--- a/Projet Programmation.pptx
+++ b/Projet Programmation.pptx
@@ -9293,13 +9293,15 @@
       <p:cxnSp>
         <p:nvCxnSpPr>
           <p:cNvPr id="9" name="Connecteur droit avec flèche 8"/>
-          <p:cNvCxnSpPr/>
+          <p:cNvCxnSpPr>
+            <a:cxnSpLocks/>
+          </p:cNvCxnSpPr>
           <p:nvPr/>
         </p:nvCxnSpPr>
         <p:spPr>
-          <a:xfrm>
-            <a:off x="6413475" y="2757564"/>
-            <a:ext cx="343351" cy="324036"/>
+          <a:xfrm flipH="1" flipV="1">
+            <a:off x="6399133" y="2744925"/>
+            <a:ext cx="384165" cy="324035"/>
           </a:xfrm>
           <a:prstGeom prst="straightConnector1">
             <a:avLst/>
@@ -9381,13 +9383,14 @@
         <p:nvCxnSpPr>
           <p:cNvPr id="14" name="Connecteur droit avec flèche 13"/>
           <p:cNvCxnSpPr>
-            <a:stCxn id="12" idx="0"/>
-            <a:endCxn id="6" idx="2"/>
+            <a:cxnSpLocks/>
+            <a:stCxn id="6" idx="2"/>
+            <a:endCxn id="12" idx="0"/>
           </p:cNvCxnSpPr>
           <p:nvPr/>
         </p:nvCxnSpPr>
         <p:spPr>
-          <a:xfrm flipV="1">
+          <a:xfrm>
             <a:off x="7858608" y="4005064"/>
             <a:ext cx="0" cy="575075"/>
           </a:xfrm>
@@ -9470,13 +9473,15 @@
       <p:cxnSp>
         <p:nvCxnSpPr>
           <p:cNvPr id="22" name="Connecteur droit avec flèche 21"/>
-          <p:cNvCxnSpPr/>
+          <p:cNvCxnSpPr>
+            <a:cxnSpLocks/>
+          </p:cNvCxnSpPr>
           <p:nvPr/>
         </p:nvCxnSpPr>
         <p:spPr>
-          <a:xfrm flipH="1">
-            <a:off x="8974732" y="2744924"/>
-            <a:ext cx="381632" cy="324036"/>
+          <a:xfrm flipV="1">
+            <a:off x="8974732" y="2744926"/>
+            <a:ext cx="369823" cy="324034"/>
           </a:xfrm>
           <a:prstGeom prst="straightConnector1">
             <a:avLst/>
@@ -10375,42 +10380,6 @@
           </a:fontRef>
         </p:style>
       </p:cxnSp>
-      <p:cxnSp>
-        <p:nvCxnSpPr>
-          <p:cNvPr id="32" name="Connecteur droit avec flèche 31"/>
-          <p:cNvCxnSpPr/>
-          <p:nvPr/>
-        </p:nvCxnSpPr>
-        <p:spPr>
-          <a:xfrm flipV="1">
-            <a:off x="4006180" y="4365104"/>
-            <a:ext cx="0" cy="347831"/>
-          </a:xfrm>
-          <a:prstGeom prst="straightConnector1">
-            <a:avLst/>
-          </a:prstGeom>
-          <a:ln w="25400">
-            <a:solidFill>
-              <a:schemeClr val="tx1"/>
-            </a:solidFill>
-            <a:tailEnd type="triangle"/>
-          </a:ln>
-        </p:spPr>
-        <p:style>
-          <a:lnRef idx="1">
-            <a:schemeClr val="accent1"/>
-          </a:lnRef>
-          <a:fillRef idx="0">
-            <a:schemeClr val="accent1"/>
-          </a:fillRef>
-          <a:effectRef idx="0">
-            <a:schemeClr val="accent1"/>
-          </a:effectRef>
-          <a:fontRef idx="minor">
-            <a:schemeClr val="tx1"/>
-          </a:fontRef>
-        </p:style>
-      </p:cxnSp>
     </p:spTree>
     <p:extLst>
       <p:ext uri="{BB962C8B-B14F-4D97-AF65-F5344CB8AC3E}">
@@ -10490,13 +10459,6 @@
             <a:pPr lvl="1"/>
             <a:r>
               <a:rPr lang="fr-FR" dirty="0"/>
-              <a:t>Fusion des packages</a:t>
-            </a:r>
-          </a:p>
-          <a:p>
-            <a:pPr lvl="1"/>
-            <a:r>
-              <a:rPr lang="fr-FR" dirty="0"/>
               <a:t>Apprentissage de Swing</a:t>
             </a:r>
           </a:p>
@@ -10518,6 +10480,13 @@
             <a:pPr lvl="1"/>
             <a:r>
               <a:rPr lang="fr-FR" dirty="0"/>
+              <a:t>Compréhension des tests unitaires</a:t>
+            </a:r>
+          </a:p>
+          <a:p>
+            <a:pPr lvl="1"/>
+            <a:r>
+              <a:rPr lang="fr-FR" dirty="0"/>
               <a:t>Utilisation des Threads</a:t>
             </a:r>
           </a:p>
@@ -10526,6 +10495,20 @@
             <a:r>
               <a:rPr lang="fr-FR" dirty="0"/>
               <a:t>Utilisation Observable/Observer</a:t>
+            </a:r>
+          </a:p>
+          <a:p>
+            <a:pPr lvl="1"/>
+            <a:r>
+              <a:rPr lang="fr-FR" dirty="0"/>
+              <a:t>Encodage</a:t>
+            </a:r>
+          </a:p>
+          <a:p>
+            <a:pPr lvl="1"/>
+            <a:r>
+              <a:rPr lang="fr-FR" dirty="0"/>
+              <a:t>Fusion des packages</a:t>
             </a:r>
           </a:p>
           <a:p>
@@ -11696,7 +11679,13 @@
       </p:sp>
       <p:pic>
         <p:nvPicPr>
-          <p:cNvPr id="6" name="Image 5"/>
+          <p:cNvPr id="7" name="Image 6">
+            <a:extLst>
+              <a:ext uri="{FF2B5EF4-FFF2-40B4-BE49-F238E27FC236}">
+                <a16:creationId xmlns:a16="http://schemas.microsoft.com/office/drawing/2014/main" id="{C0BB8903-90C2-4A91-AFC4-9E6F4A581B17}"/>
+              </a:ext>
+            </a:extLst>
+          </p:cNvPr>
           <p:cNvPicPr>
             <a:picLocks noChangeAspect="1"/>
           </p:cNvPicPr>
@@ -11704,12 +11693,12 @@
         </p:nvPicPr>
         <p:blipFill rotWithShape="1">
           <a:blip r:embed="rId2"/>
-          <a:srcRect l="25761" t="20354" r="22001" b="23671"/>
+          <a:srcRect l="12191" t="24808" r="35726" b="19383"/>
           <a:stretch/>
         </p:blipFill>
         <p:spPr>
           <a:xfrm>
-            <a:off x="2920282" y="2337720"/>
+            <a:off x="2920281" y="2337720"/>
             <a:ext cx="6348261" cy="3826349"/>
           </a:xfrm>
           <a:prstGeom prst="rect">
@@ -12968,13 +12957,17 @@
       <p:cxnSp>
         <p:nvCxnSpPr>
           <p:cNvPr id="9" name="Connecteur droit avec flèche 8"/>
-          <p:cNvCxnSpPr/>
+          <p:cNvCxnSpPr>
+            <a:cxnSpLocks/>
+            <a:stCxn id="6" idx="0"/>
+            <a:endCxn id="7" idx="2"/>
+          </p:cNvCxnSpPr>
           <p:nvPr/>
         </p:nvCxnSpPr>
         <p:spPr>
-          <a:xfrm>
-            <a:off x="7439181" y="2417698"/>
-            <a:ext cx="144016" cy="504056"/>
+          <a:xfrm flipH="1" flipV="1">
+            <a:off x="7534572" y="2396974"/>
+            <a:ext cx="72008" cy="517872"/>
           </a:xfrm>
           <a:prstGeom prst="straightConnector1">
             <a:avLst/>
@@ -13095,14 +13088,16 @@
         <p:nvCxnSpPr>
           <p:cNvPr id="13" name="Connecteur droit avec flèche 12"/>
           <p:cNvCxnSpPr>
-            <a:stCxn id="11" idx="2"/>
+            <a:cxnSpLocks/>
+            <a:stCxn id="6" idx="3"/>
+            <a:endCxn id="11" idx="2"/>
           </p:cNvCxnSpPr>
           <p:nvPr/>
         </p:nvCxnSpPr>
         <p:spPr>
-          <a:xfrm flipH="1">
+          <a:xfrm flipV="1">
             <a:off x="8542684" y="2626987"/>
-            <a:ext cx="1008112" cy="491056"/>
+            <a:ext cx="1008112" cy="683903"/>
           </a:xfrm>
           <a:prstGeom prst="straightConnector1">
             <a:avLst/>
@@ -14096,15 +14091,6 @@
 </file>
 
 <file path=customXml/item1.xml><?xml version="1.0" encoding="utf-8"?>
-<?mso-contentType ?>
-<FormTemplates xmlns="http://schemas.microsoft.com/sharepoint/v3/contenttype/forms">
-  <Display>DocumentLibraryForm</Display>
-  <Edit>AssetEditForm</Edit>
-  <New>DocumentLibraryForm</New>
-</FormTemplates>
-</file>
-
-<file path=customXml/item2.xml><?xml version="1.0" encoding="utf-8"?>
 <ct:contentTypeSchema xmlns:ct="http://schemas.microsoft.com/office/2006/metadata/contentType" xmlns:ma="http://schemas.microsoft.com/office/2006/metadata/properties/metaAttributes" ct:_="" ma:_="" ma:contentTypeName="TemplateFile" ma:contentTypeID="0x0101006EDDDB5EE6D98C44930B742096920B300400F5B6D36B3EF94B4E9A635CDF2A18F5B8" ma:contentTypeVersion="72" ma:contentTypeDescription="Create a new document." ma:contentTypeScope="" ma:versionID="a23e56308344d904b51738559c3d67c9">
   <xsd:schema xmlns:xsd="http://www.w3.org/2001/XMLSchema" xmlns:xs="http://www.w3.org/2001/XMLSchema" xmlns:p="http://schemas.microsoft.com/office/2006/metadata/properties" xmlns:ns2="4873beb7-5857-4685-be1f-d57550cc96cc" targetNamespace="http://schemas.microsoft.com/office/2006/metadata/properties" ma:root="true" ma:fieldsID="cd0908cc4600e77bf5da051303e00c8d" ns2:_="">
     <xsd:import namespace="4873beb7-5857-4685-be1f-d57550cc96cc"/>
@@ -15144,6 +15130,15 @@
 </ct:contentTypeSchema>
 </file>
 
+<file path=customXml/item2.xml><?xml version="1.0" encoding="utf-8"?>
+<?mso-contentType ?>
+<FormTemplates xmlns="http://schemas.microsoft.com/sharepoint/v3/contenttype/forms">
+  <Display>DocumentLibraryForm</Display>
+  <Edit>AssetEditForm</Edit>
+  <New>DocumentLibraryForm</New>
+</FormTemplates>
+</file>
+
 <file path=customXml/item3.xml><?xml version="1.0" encoding="utf-8"?>
 <p:properties xmlns:p="http://schemas.microsoft.com/office/2006/metadata/properties" xmlns:xsi="http://www.w3.org/2001/XMLSchema-instance" xmlns:pc="http://schemas.microsoft.com/office/infopath/2007/PartnerControls">
   <documentManagement>
@@ -15281,14 +15276,6 @@
 </file>
 
 <file path=customXml/itemProps1.xml><?xml version="1.0" encoding="utf-8"?>
-<ds:datastoreItem xmlns:ds="http://schemas.openxmlformats.org/officeDocument/2006/customXml" ds:itemID="{3836F65B-1B07-41EE-A0E8-BC6EF3855225}">
-  <ds:schemaRefs>
-    <ds:schemaRef ds:uri="http://schemas.microsoft.com/sharepoint/v3/contenttype/forms"/>
-  </ds:schemaRefs>
-</ds:datastoreItem>
-</file>
-
-<file path=customXml/itemProps2.xml><?xml version="1.0" encoding="utf-8"?>
 <ds:datastoreItem xmlns:ds="http://schemas.openxmlformats.org/officeDocument/2006/customXml" ds:itemID="{A09BF4D4-EF60-4196-BFC3-9462D607978C}">
   <ds:schemaRefs>
     <ds:schemaRef ds:uri="http://schemas.microsoft.com/office/2006/metadata/contentType"/>
@@ -15302,6 +15289,14 @@
     <ds:schemaRef ds:uri="http://purl.org/dc/elements/1.1/"/>
     <ds:schemaRef ds:uri="http://purl.org/dc/terms/"/>
     <ds:schemaRef ds:uri="http://schemas.microsoft.com/internal/obd"/>
+  </ds:schemaRefs>
+</ds:datastoreItem>
+</file>
+
+<file path=customXml/itemProps2.xml><?xml version="1.0" encoding="utf-8"?>
+<ds:datastoreItem xmlns:ds="http://schemas.openxmlformats.org/officeDocument/2006/customXml" ds:itemID="{3836F65B-1B07-41EE-A0E8-BC6EF3855225}">
+  <ds:schemaRefs>
+    <ds:schemaRef ds:uri="http://schemas.microsoft.com/sharepoint/v3/contenttype/forms"/>
   </ds:schemaRefs>
 </ds:datastoreItem>
 </file>
